--- a/OpenCL_on_FPGAs.pptx
+++ b/OpenCL_on_FPGAs.pptx
@@ -120,6 +120,22 @@
       </a:defRPr>
     </a:lvl9pPr>
   </p:defaultTextStyle>
+  <p:extLst>
+    <p:ext uri="{EFAFB233-063F-42B5-8137-9DF3F51BA10A}">
+      <p15:sldGuideLst xmlns:p15="http://schemas.microsoft.com/office/powerpoint/2012/main">
+        <p15:guide id="1" orient="horz" pos="2160">
+          <p15:clr>
+            <a:srgbClr val="A4A3A4"/>
+          </p15:clr>
+        </p15:guide>
+        <p15:guide id="2" pos="2880">
+          <p15:clr>
+            <a:srgbClr val="A4A3A4"/>
+          </p15:clr>
+        </p15:guide>
+      </p15:sldGuideLst>
+    </p:ext>
+  </p:extLst>
 </p:presentation>
 </file>
 
@@ -205,7 +221,7 @@
           <a:p>
             <a:fld id="{154B9960-65DD-7948-AAE5-CA021B06E14D}" type="datetimeFigureOut">
               <a:rPr lang="en-US" smtClean="0"/>
-              <a:t>21/07/16</a:t>
+              <a:t>11/25/18</a:t>
             </a:fld>
             <a:endParaRPr lang="en-GB"/>
           </a:p>
@@ -269,38 +285,37 @@
           <a:p>
             <a:pPr lvl="0"/>
             <a:r>
-              <a:rPr lang="en-GB" smtClean="0"/>
+              <a:rPr lang="en-GB"/>
               <a:t>Click to edit Master text styles</a:t>
             </a:r>
           </a:p>
           <a:p>
             <a:pPr lvl="1"/>
             <a:r>
-              <a:rPr lang="en-GB" smtClean="0"/>
+              <a:rPr lang="en-GB"/>
               <a:t>Second level</a:t>
             </a:r>
           </a:p>
           <a:p>
             <a:pPr lvl="2"/>
             <a:r>
-              <a:rPr lang="en-GB" smtClean="0"/>
+              <a:rPr lang="en-GB"/>
               <a:t>Third level</a:t>
             </a:r>
           </a:p>
           <a:p>
             <a:pPr lvl="3"/>
             <a:r>
-              <a:rPr lang="en-GB" smtClean="0"/>
+              <a:rPr lang="en-GB"/>
               <a:t>Fourth level</a:t>
             </a:r>
           </a:p>
           <a:p>
             <a:pPr lvl="4"/>
             <a:r>
-              <a:rPr lang="en-GB" smtClean="0"/>
+              <a:rPr lang="en-GB"/>
               <a:t>Fifth level</a:t>
             </a:r>
-            <a:endParaRPr lang="en-GB"/>
           </a:p>
         </p:txBody>
       </p:sp>
@@ -511,10 +526,9 @@
           <a:lstStyle/>
           <a:p>
             <a:r>
-              <a:rPr lang="en-GB" smtClean="0"/>
+              <a:rPr lang="en-GB"/>
               <a:t>Click to edit Master title style</a:t>
             </a:r>
-            <a:endParaRPr lang="en-GB"/>
           </a:p>
         </p:txBody>
       </p:sp>
@@ -630,31 +644,30 @@
           </a:lstStyle>
           <a:p>
             <a:r>
+              <a:rPr lang="en-GB"/>
+              <a:t>Click to edit Master subtitle style</a:t>
+            </a:r>
+          </a:p>
+        </p:txBody>
+      </p:sp>
+      <p:sp>
+        <p:nvSpPr>
+          <p:cNvPr id="4" name="Date Placeholder 3"/>
+          <p:cNvSpPr>
+            <a:spLocks noGrp="1"/>
+          </p:cNvSpPr>
+          <p:nvPr>
+            <p:ph type="dt" sz="half" idx="10"/>
+          </p:nvPr>
+        </p:nvSpPr>
+        <p:spPr/>
+        <p:txBody>
+          <a:bodyPr/>
+          <a:lstStyle/>
+          <a:p>
+            <a:fld id="{AEDD629F-A611-2948-8181-6DE22699F0E2}" type="datetime1">
               <a:rPr lang="en-GB" smtClean="0"/>
-              <a:t>Click to edit Master subtitle style</a:t>
-            </a:r>
-            <a:endParaRPr lang="en-GB"/>
-          </a:p>
-        </p:txBody>
-      </p:sp>
-      <p:sp>
-        <p:nvSpPr>
-          <p:cNvPr id="4" name="Date Placeholder 3"/>
-          <p:cNvSpPr>
-            <a:spLocks noGrp="1"/>
-          </p:cNvSpPr>
-          <p:nvPr>
-            <p:ph type="dt" sz="half" idx="10"/>
-          </p:nvPr>
-        </p:nvSpPr>
-        <p:spPr/>
-        <p:txBody>
-          <a:bodyPr/>
-          <a:lstStyle/>
-          <a:p>
-            <a:fld id="{D96F9273-1B51-1D4D-B007-2EA617412104}" type="datetimeFigureOut">
-              <a:rPr lang="en-US" smtClean="0"/>
-              <a:t>21/07/16</a:t>
+              <a:t>25/11/2018</a:t>
             </a:fld>
             <a:endParaRPr lang="en-GB"/>
           </a:p>
@@ -748,83 +761,81 @@
           <a:lstStyle/>
           <a:p>
             <a:r>
+              <a:rPr lang="en-GB"/>
+              <a:t>Click to edit Master title style</a:t>
+            </a:r>
+          </a:p>
+        </p:txBody>
+      </p:sp>
+      <p:sp>
+        <p:nvSpPr>
+          <p:cNvPr id="3" name="Vertical Text Placeholder 2"/>
+          <p:cNvSpPr>
+            <a:spLocks noGrp="1"/>
+          </p:cNvSpPr>
+          <p:nvPr>
+            <p:ph type="body" orient="vert" idx="1"/>
+          </p:nvPr>
+        </p:nvSpPr>
+        <p:spPr/>
+        <p:txBody>
+          <a:bodyPr vert="eaVert"/>
+          <a:lstStyle/>
+          <a:p>
+            <a:pPr lvl="0"/>
+            <a:r>
+              <a:rPr lang="en-GB"/>
+              <a:t>Click to edit Master text styles</a:t>
+            </a:r>
+          </a:p>
+          <a:p>
+            <a:pPr lvl="1"/>
+            <a:r>
+              <a:rPr lang="en-GB"/>
+              <a:t>Second level</a:t>
+            </a:r>
+          </a:p>
+          <a:p>
+            <a:pPr lvl="2"/>
+            <a:r>
+              <a:rPr lang="en-GB"/>
+              <a:t>Third level</a:t>
+            </a:r>
+          </a:p>
+          <a:p>
+            <a:pPr lvl="3"/>
+            <a:r>
+              <a:rPr lang="en-GB"/>
+              <a:t>Fourth level</a:t>
+            </a:r>
+          </a:p>
+          <a:p>
+            <a:pPr lvl="4"/>
+            <a:r>
+              <a:rPr lang="en-GB"/>
+              <a:t>Fifth level</a:t>
+            </a:r>
+          </a:p>
+        </p:txBody>
+      </p:sp>
+      <p:sp>
+        <p:nvSpPr>
+          <p:cNvPr id="4" name="Date Placeholder 3"/>
+          <p:cNvSpPr>
+            <a:spLocks noGrp="1"/>
+          </p:cNvSpPr>
+          <p:nvPr>
+            <p:ph type="dt" sz="half" idx="10"/>
+          </p:nvPr>
+        </p:nvSpPr>
+        <p:spPr/>
+        <p:txBody>
+          <a:bodyPr/>
+          <a:lstStyle/>
+          <a:p>
+            <a:fld id="{EF0917BE-546C-E24E-931A-CD76D2AA74ED}" type="datetime1">
               <a:rPr lang="en-GB" smtClean="0"/>
-              <a:t>Click to edit Master title style</a:t>
-            </a:r>
-            <a:endParaRPr lang="en-GB"/>
-          </a:p>
-        </p:txBody>
-      </p:sp>
-      <p:sp>
-        <p:nvSpPr>
-          <p:cNvPr id="3" name="Vertical Text Placeholder 2"/>
-          <p:cNvSpPr>
-            <a:spLocks noGrp="1"/>
-          </p:cNvSpPr>
-          <p:nvPr>
-            <p:ph type="body" orient="vert" idx="1"/>
-          </p:nvPr>
-        </p:nvSpPr>
-        <p:spPr/>
-        <p:txBody>
-          <a:bodyPr vert="eaVert"/>
-          <a:lstStyle/>
-          <a:p>
-            <a:pPr lvl="0"/>
-            <a:r>
-              <a:rPr lang="en-GB" smtClean="0"/>
-              <a:t>Click to edit Master text styles</a:t>
-            </a:r>
-          </a:p>
-          <a:p>
-            <a:pPr lvl="1"/>
-            <a:r>
-              <a:rPr lang="en-GB" smtClean="0"/>
-              <a:t>Second level</a:t>
-            </a:r>
-          </a:p>
-          <a:p>
-            <a:pPr lvl="2"/>
-            <a:r>
-              <a:rPr lang="en-GB" smtClean="0"/>
-              <a:t>Third level</a:t>
-            </a:r>
-          </a:p>
-          <a:p>
-            <a:pPr lvl="3"/>
-            <a:r>
-              <a:rPr lang="en-GB" smtClean="0"/>
-              <a:t>Fourth level</a:t>
-            </a:r>
-          </a:p>
-          <a:p>
-            <a:pPr lvl="4"/>
-            <a:r>
-              <a:rPr lang="en-GB" smtClean="0"/>
-              <a:t>Fifth level</a:t>
-            </a:r>
-            <a:endParaRPr lang="en-GB"/>
-          </a:p>
-        </p:txBody>
-      </p:sp>
-      <p:sp>
-        <p:nvSpPr>
-          <p:cNvPr id="4" name="Date Placeholder 3"/>
-          <p:cNvSpPr>
-            <a:spLocks noGrp="1"/>
-          </p:cNvSpPr>
-          <p:nvPr>
-            <p:ph type="dt" sz="half" idx="10"/>
-          </p:nvPr>
-        </p:nvSpPr>
-        <p:spPr/>
-        <p:txBody>
-          <a:bodyPr/>
-          <a:lstStyle/>
-          <a:p>
-            <a:fld id="{D96F9273-1B51-1D4D-B007-2EA617412104}" type="datetimeFigureOut">
-              <a:rPr lang="en-US" smtClean="0"/>
-              <a:t>21/07/16</a:t>
+              <a:t>25/11/2018</a:t>
             </a:fld>
             <a:endParaRPr lang="en-GB"/>
           </a:p>
@@ -923,10 +934,9 @@
           <a:lstStyle/>
           <a:p>
             <a:r>
-              <a:rPr lang="en-GB" smtClean="0"/>
+              <a:rPr lang="en-GB"/>
               <a:t>Click to edit Master title style</a:t>
             </a:r>
-            <a:endParaRPr lang="en-GB"/>
           </a:p>
         </p:txBody>
       </p:sp>
@@ -952,59 +962,58 @@
           <a:p>
             <a:pPr lvl="0"/>
             <a:r>
+              <a:rPr lang="en-GB"/>
+              <a:t>Click to edit Master text styles</a:t>
+            </a:r>
+          </a:p>
+          <a:p>
+            <a:pPr lvl="1"/>
+            <a:r>
+              <a:rPr lang="en-GB"/>
+              <a:t>Second level</a:t>
+            </a:r>
+          </a:p>
+          <a:p>
+            <a:pPr lvl="2"/>
+            <a:r>
+              <a:rPr lang="en-GB"/>
+              <a:t>Third level</a:t>
+            </a:r>
+          </a:p>
+          <a:p>
+            <a:pPr lvl="3"/>
+            <a:r>
+              <a:rPr lang="en-GB"/>
+              <a:t>Fourth level</a:t>
+            </a:r>
+          </a:p>
+          <a:p>
+            <a:pPr lvl="4"/>
+            <a:r>
+              <a:rPr lang="en-GB"/>
+              <a:t>Fifth level</a:t>
+            </a:r>
+          </a:p>
+        </p:txBody>
+      </p:sp>
+      <p:sp>
+        <p:nvSpPr>
+          <p:cNvPr id="4" name="Date Placeholder 3"/>
+          <p:cNvSpPr>
+            <a:spLocks noGrp="1"/>
+          </p:cNvSpPr>
+          <p:nvPr>
+            <p:ph type="dt" sz="half" idx="10"/>
+          </p:nvPr>
+        </p:nvSpPr>
+        <p:spPr/>
+        <p:txBody>
+          <a:bodyPr/>
+          <a:lstStyle/>
+          <a:p>
+            <a:fld id="{013C95AE-620B-B54C-9FB6-A934F67DF2F7}" type="datetime1">
               <a:rPr lang="en-GB" smtClean="0"/>
-              <a:t>Click to edit Master text styles</a:t>
-            </a:r>
-          </a:p>
-          <a:p>
-            <a:pPr lvl="1"/>
-            <a:r>
-              <a:rPr lang="en-GB" smtClean="0"/>
-              <a:t>Second level</a:t>
-            </a:r>
-          </a:p>
-          <a:p>
-            <a:pPr lvl="2"/>
-            <a:r>
-              <a:rPr lang="en-GB" smtClean="0"/>
-              <a:t>Third level</a:t>
-            </a:r>
-          </a:p>
-          <a:p>
-            <a:pPr lvl="3"/>
-            <a:r>
-              <a:rPr lang="en-GB" smtClean="0"/>
-              <a:t>Fourth level</a:t>
-            </a:r>
-          </a:p>
-          <a:p>
-            <a:pPr lvl="4"/>
-            <a:r>
-              <a:rPr lang="en-GB" smtClean="0"/>
-              <a:t>Fifth level</a:t>
-            </a:r>
-            <a:endParaRPr lang="en-GB"/>
-          </a:p>
-        </p:txBody>
-      </p:sp>
-      <p:sp>
-        <p:nvSpPr>
-          <p:cNvPr id="4" name="Date Placeholder 3"/>
-          <p:cNvSpPr>
-            <a:spLocks noGrp="1"/>
-          </p:cNvSpPr>
-          <p:nvPr>
-            <p:ph type="dt" sz="half" idx="10"/>
-          </p:nvPr>
-        </p:nvSpPr>
-        <p:spPr/>
-        <p:txBody>
-          <a:bodyPr/>
-          <a:lstStyle/>
-          <a:p>
-            <a:fld id="{D96F9273-1B51-1D4D-B007-2EA617412104}" type="datetimeFigureOut">
-              <a:rPr lang="en-US" smtClean="0"/>
-              <a:t>21/07/16</a:t>
+              <a:t>25/11/2018</a:t>
             </a:fld>
             <a:endParaRPr lang="en-GB"/>
           </a:p>
@@ -1098,83 +1107,81 @@
           <a:lstStyle/>
           <a:p>
             <a:r>
+              <a:rPr lang="en-GB"/>
+              <a:t>Click to edit Master title style</a:t>
+            </a:r>
+          </a:p>
+        </p:txBody>
+      </p:sp>
+      <p:sp>
+        <p:nvSpPr>
+          <p:cNvPr id="3" name="Content Placeholder 2"/>
+          <p:cNvSpPr>
+            <a:spLocks noGrp="1"/>
+          </p:cNvSpPr>
+          <p:nvPr>
+            <p:ph idx="1"/>
+          </p:nvPr>
+        </p:nvSpPr>
+        <p:spPr/>
+        <p:txBody>
+          <a:bodyPr/>
+          <a:lstStyle/>
+          <a:p>
+            <a:pPr lvl="0"/>
+            <a:r>
+              <a:rPr lang="en-GB"/>
+              <a:t>Click to edit Master text styles</a:t>
+            </a:r>
+          </a:p>
+          <a:p>
+            <a:pPr lvl="1"/>
+            <a:r>
+              <a:rPr lang="en-GB"/>
+              <a:t>Second level</a:t>
+            </a:r>
+          </a:p>
+          <a:p>
+            <a:pPr lvl="2"/>
+            <a:r>
+              <a:rPr lang="en-GB"/>
+              <a:t>Third level</a:t>
+            </a:r>
+          </a:p>
+          <a:p>
+            <a:pPr lvl="3"/>
+            <a:r>
+              <a:rPr lang="en-GB"/>
+              <a:t>Fourth level</a:t>
+            </a:r>
+          </a:p>
+          <a:p>
+            <a:pPr lvl="4"/>
+            <a:r>
+              <a:rPr lang="en-GB"/>
+              <a:t>Fifth level</a:t>
+            </a:r>
+          </a:p>
+        </p:txBody>
+      </p:sp>
+      <p:sp>
+        <p:nvSpPr>
+          <p:cNvPr id="4" name="Date Placeholder 3"/>
+          <p:cNvSpPr>
+            <a:spLocks noGrp="1"/>
+          </p:cNvSpPr>
+          <p:nvPr>
+            <p:ph type="dt" sz="half" idx="10"/>
+          </p:nvPr>
+        </p:nvSpPr>
+        <p:spPr/>
+        <p:txBody>
+          <a:bodyPr/>
+          <a:lstStyle/>
+          <a:p>
+            <a:fld id="{39B4BB63-3F99-BD4C-912C-9A757FA46121}" type="datetime1">
               <a:rPr lang="en-GB" smtClean="0"/>
-              <a:t>Click to edit Master title style</a:t>
-            </a:r>
-            <a:endParaRPr lang="en-GB"/>
-          </a:p>
-        </p:txBody>
-      </p:sp>
-      <p:sp>
-        <p:nvSpPr>
-          <p:cNvPr id="3" name="Content Placeholder 2"/>
-          <p:cNvSpPr>
-            <a:spLocks noGrp="1"/>
-          </p:cNvSpPr>
-          <p:nvPr>
-            <p:ph idx="1"/>
-          </p:nvPr>
-        </p:nvSpPr>
-        <p:spPr/>
-        <p:txBody>
-          <a:bodyPr/>
-          <a:lstStyle/>
-          <a:p>
-            <a:pPr lvl="0"/>
-            <a:r>
-              <a:rPr lang="en-GB" smtClean="0"/>
-              <a:t>Click to edit Master text styles</a:t>
-            </a:r>
-          </a:p>
-          <a:p>
-            <a:pPr lvl="1"/>
-            <a:r>
-              <a:rPr lang="en-GB" smtClean="0"/>
-              <a:t>Second level</a:t>
-            </a:r>
-          </a:p>
-          <a:p>
-            <a:pPr lvl="2"/>
-            <a:r>
-              <a:rPr lang="en-GB" smtClean="0"/>
-              <a:t>Third level</a:t>
-            </a:r>
-          </a:p>
-          <a:p>
-            <a:pPr lvl="3"/>
-            <a:r>
-              <a:rPr lang="en-GB" smtClean="0"/>
-              <a:t>Fourth level</a:t>
-            </a:r>
-          </a:p>
-          <a:p>
-            <a:pPr lvl="4"/>
-            <a:r>
-              <a:rPr lang="en-GB" smtClean="0"/>
-              <a:t>Fifth level</a:t>
-            </a:r>
-            <a:endParaRPr lang="en-GB"/>
-          </a:p>
-        </p:txBody>
-      </p:sp>
-      <p:sp>
-        <p:nvSpPr>
-          <p:cNvPr id="4" name="Date Placeholder 3"/>
-          <p:cNvSpPr>
-            <a:spLocks noGrp="1"/>
-          </p:cNvSpPr>
-          <p:nvPr>
-            <p:ph type="dt" sz="half" idx="10"/>
-          </p:nvPr>
-        </p:nvSpPr>
-        <p:spPr/>
-        <p:txBody>
-          <a:bodyPr/>
-          <a:lstStyle/>
-          <a:p>
-            <a:fld id="{D96F9273-1B51-1D4D-B007-2EA617412104}" type="datetimeFigureOut">
-              <a:rPr lang="en-US" smtClean="0"/>
-              <a:t>21/07/16</a:t>
+              <a:t>25/11/2018</a:t>
             </a:fld>
             <a:endParaRPr lang="en-GB"/>
           </a:p>
@@ -1277,10 +1284,9 @@
           </a:lstStyle>
           <a:p>
             <a:r>
-              <a:rPr lang="en-GB" smtClean="0"/>
+              <a:rPr lang="en-GB"/>
               <a:t>Click to edit Master title style</a:t>
             </a:r>
-            <a:endParaRPr lang="en-GB"/>
           </a:p>
         </p:txBody>
       </p:sp>
@@ -1397,30 +1403,30 @@
           <a:p>
             <a:pPr lvl="0"/>
             <a:r>
+              <a:rPr lang="en-GB"/>
+              <a:t>Click to edit Master text styles</a:t>
+            </a:r>
+          </a:p>
+        </p:txBody>
+      </p:sp>
+      <p:sp>
+        <p:nvSpPr>
+          <p:cNvPr id="4" name="Date Placeholder 3"/>
+          <p:cNvSpPr>
+            <a:spLocks noGrp="1"/>
+          </p:cNvSpPr>
+          <p:nvPr>
+            <p:ph type="dt" sz="half" idx="10"/>
+          </p:nvPr>
+        </p:nvSpPr>
+        <p:spPr/>
+        <p:txBody>
+          <a:bodyPr/>
+          <a:lstStyle/>
+          <a:p>
+            <a:fld id="{59EC8435-34FA-9547-A197-7BC05F58E877}" type="datetime1">
               <a:rPr lang="en-GB" smtClean="0"/>
-              <a:t>Click to edit Master text styles</a:t>
-            </a:r>
-          </a:p>
-        </p:txBody>
-      </p:sp>
-      <p:sp>
-        <p:nvSpPr>
-          <p:cNvPr id="4" name="Date Placeholder 3"/>
-          <p:cNvSpPr>
-            <a:spLocks noGrp="1"/>
-          </p:cNvSpPr>
-          <p:nvPr>
-            <p:ph type="dt" sz="half" idx="10"/>
-          </p:nvPr>
-        </p:nvSpPr>
-        <p:spPr/>
-        <p:txBody>
-          <a:bodyPr/>
-          <a:lstStyle/>
-          <a:p>
-            <a:fld id="{D96F9273-1B51-1D4D-B007-2EA617412104}" type="datetimeFigureOut">
-              <a:rPr lang="en-US" smtClean="0"/>
-              <a:t>21/07/16</a:t>
+              <a:t>25/11/2018</a:t>
             </a:fld>
             <a:endParaRPr lang="en-GB"/>
           </a:p>
@@ -1514,10 +1520,9 @@
           <a:lstStyle/>
           <a:p>
             <a:r>
-              <a:rPr lang="en-GB" smtClean="0"/>
+              <a:rPr lang="en-GB"/>
               <a:t>Click to edit Master title style</a:t>
             </a:r>
-            <a:endParaRPr lang="en-GB"/>
           </a:p>
         </p:txBody>
       </p:sp>
@@ -1571,38 +1576,37 @@
           <a:p>
             <a:pPr lvl="0"/>
             <a:r>
-              <a:rPr lang="en-GB" smtClean="0"/>
+              <a:rPr lang="en-GB"/>
               <a:t>Click to edit Master text styles</a:t>
             </a:r>
           </a:p>
           <a:p>
             <a:pPr lvl="1"/>
             <a:r>
-              <a:rPr lang="en-GB" smtClean="0"/>
+              <a:rPr lang="en-GB"/>
               <a:t>Second level</a:t>
             </a:r>
           </a:p>
           <a:p>
             <a:pPr lvl="2"/>
             <a:r>
-              <a:rPr lang="en-GB" smtClean="0"/>
+              <a:rPr lang="en-GB"/>
               <a:t>Third level</a:t>
             </a:r>
           </a:p>
           <a:p>
             <a:pPr lvl="3"/>
             <a:r>
-              <a:rPr lang="en-GB" smtClean="0"/>
+              <a:rPr lang="en-GB"/>
               <a:t>Fourth level</a:t>
             </a:r>
           </a:p>
           <a:p>
             <a:pPr lvl="4"/>
             <a:r>
-              <a:rPr lang="en-GB" smtClean="0"/>
+              <a:rPr lang="en-GB"/>
               <a:t>Fifth level</a:t>
             </a:r>
-            <a:endParaRPr lang="en-GB"/>
           </a:p>
         </p:txBody>
       </p:sp>
@@ -1656,59 +1660,58 @@
           <a:p>
             <a:pPr lvl="0"/>
             <a:r>
+              <a:rPr lang="en-GB"/>
+              <a:t>Click to edit Master text styles</a:t>
+            </a:r>
+          </a:p>
+          <a:p>
+            <a:pPr lvl="1"/>
+            <a:r>
+              <a:rPr lang="en-GB"/>
+              <a:t>Second level</a:t>
+            </a:r>
+          </a:p>
+          <a:p>
+            <a:pPr lvl="2"/>
+            <a:r>
+              <a:rPr lang="en-GB"/>
+              <a:t>Third level</a:t>
+            </a:r>
+          </a:p>
+          <a:p>
+            <a:pPr lvl="3"/>
+            <a:r>
+              <a:rPr lang="en-GB"/>
+              <a:t>Fourth level</a:t>
+            </a:r>
+          </a:p>
+          <a:p>
+            <a:pPr lvl="4"/>
+            <a:r>
+              <a:rPr lang="en-GB"/>
+              <a:t>Fifth level</a:t>
+            </a:r>
+          </a:p>
+        </p:txBody>
+      </p:sp>
+      <p:sp>
+        <p:nvSpPr>
+          <p:cNvPr id="5" name="Date Placeholder 4"/>
+          <p:cNvSpPr>
+            <a:spLocks noGrp="1"/>
+          </p:cNvSpPr>
+          <p:nvPr>
+            <p:ph type="dt" sz="half" idx="10"/>
+          </p:nvPr>
+        </p:nvSpPr>
+        <p:spPr/>
+        <p:txBody>
+          <a:bodyPr/>
+          <a:lstStyle/>
+          <a:p>
+            <a:fld id="{917050C0-BEE3-2D4E-A40F-3E6C18414377}" type="datetime1">
               <a:rPr lang="en-GB" smtClean="0"/>
-              <a:t>Click to edit Master text styles</a:t>
-            </a:r>
-          </a:p>
-          <a:p>
-            <a:pPr lvl="1"/>
-            <a:r>
-              <a:rPr lang="en-GB" smtClean="0"/>
-              <a:t>Second level</a:t>
-            </a:r>
-          </a:p>
-          <a:p>
-            <a:pPr lvl="2"/>
-            <a:r>
-              <a:rPr lang="en-GB" smtClean="0"/>
-              <a:t>Third level</a:t>
-            </a:r>
-          </a:p>
-          <a:p>
-            <a:pPr lvl="3"/>
-            <a:r>
-              <a:rPr lang="en-GB" smtClean="0"/>
-              <a:t>Fourth level</a:t>
-            </a:r>
-          </a:p>
-          <a:p>
-            <a:pPr lvl="4"/>
-            <a:r>
-              <a:rPr lang="en-GB" smtClean="0"/>
-              <a:t>Fifth level</a:t>
-            </a:r>
-            <a:endParaRPr lang="en-GB"/>
-          </a:p>
-        </p:txBody>
-      </p:sp>
-      <p:sp>
-        <p:nvSpPr>
-          <p:cNvPr id="5" name="Date Placeholder 4"/>
-          <p:cNvSpPr>
-            <a:spLocks noGrp="1"/>
-          </p:cNvSpPr>
-          <p:nvPr>
-            <p:ph type="dt" sz="half" idx="10"/>
-          </p:nvPr>
-        </p:nvSpPr>
-        <p:spPr/>
-        <p:txBody>
-          <a:bodyPr/>
-          <a:lstStyle/>
-          <a:p>
-            <a:fld id="{D96F9273-1B51-1D4D-B007-2EA617412104}" type="datetimeFigureOut">
-              <a:rPr lang="en-US" smtClean="0"/>
-              <a:t>21/07/16</a:t>
+              <a:t>25/11/2018</a:t>
             </a:fld>
             <a:endParaRPr lang="en-GB"/>
           </a:p>
@@ -1806,10 +1809,9 @@
           </a:lstStyle>
           <a:p>
             <a:r>
-              <a:rPr lang="en-GB" smtClean="0"/>
+              <a:rPr lang="en-GB"/>
               <a:t>Click to edit Master title style</a:t>
             </a:r>
-            <a:endParaRPr lang="en-GB"/>
           </a:p>
         </p:txBody>
       </p:sp>
@@ -1872,7 +1874,7 @@
           <a:p>
             <a:pPr lvl="0"/>
             <a:r>
-              <a:rPr lang="en-GB" smtClean="0"/>
+              <a:rPr lang="en-GB"/>
               <a:t>Click to edit Master text styles</a:t>
             </a:r>
           </a:p>
@@ -1928,38 +1930,37 @@
           <a:p>
             <a:pPr lvl="0"/>
             <a:r>
-              <a:rPr lang="en-GB" smtClean="0"/>
+              <a:rPr lang="en-GB"/>
               <a:t>Click to edit Master text styles</a:t>
             </a:r>
           </a:p>
           <a:p>
             <a:pPr lvl="1"/>
             <a:r>
-              <a:rPr lang="en-GB" smtClean="0"/>
+              <a:rPr lang="en-GB"/>
               <a:t>Second level</a:t>
             </a:r>
           </a:p>
           <a:p>
             <a:pPr lvl="2"/>
             <a:r>
-              <a:rPr lang="en-GB" smtClean="0"/>
+              <a:rPr lang="en-GB"/>
               <a:t>Third level</a:t>
             </a:r>
           </a:p>
           <a:p>
             <a:pPr lvl="3"/>
             <a:r>
-              <a:rPr lang="en-GB" smtClean="0"/>
+              <a:rPr lang="en-GB"/>
               <a:t>Fourth level</a:t>
             </a:r>
           </a:p>
           <a:p>
             <a:pPr lvl="4"/>
             <a:r>
-              <a:rPr lang="en-GB" smtClean="0"/>
+              <a:rPr lang="en-GB"/>
               <a:t>Fifth level</a:t>
             </a:r>
-            <a:endParaRPr lang="en-GB"/>
           </a:p>
         </p:txBody>
       </p:sp>
@@ -2022,7 +2023,7 @@
           <a:p>
             <a:pPr lvl="0"/>
             <a:r>
-              <a:rPr lang="en-GB" smtClean="0"/>
+              <a:rPr lang="en-GB"/>
               <a:t>Click to edit Master text styles</a:t>
             </a:r>
           </a:p>
@@ -2078,59 +2079,58 @@
           <a:p>
             <a:pPr lvl="0"/>
             <a:r>
+              <a:rPr lang="en-GB"/>
+              <a:t>Click to edit Master text styles</a:t>
+            </a:r>
+          </a:p>
+          <a:p>
+            <a:pPr lvl="1"/>
+            <a:r>
+              <a:rPr lang="en-GB"/>
+              <a:t>Second level</a:t>
+            </a:r>
+          </a:p>
+          <a:p>
+            <a:pPr lvl="2"/>
+            <a:r>
+              <a:rPr lang="en-GB"/>
+              <a:t>Third level</a:t>
+            </a:r>
+          </a:p>
+          <a:p>
+            <a:pPr lvl="3"/>
+            <a:r>
+              <a:rPr lang="en-GB"/>
+              <a:t>Fourth level</a:t>
+            </a:r>
+          </a:p>
+          <a:p>
+            <a:pPr lvl="4"/>
+            <a:r>
+              <a:rPr lang="en-GB"/>
+              <a:t>Fifth level</a:t>
+            </a:r>
+          </a:p>
+        </p:txBody>
+      </p:sp>
+      <p:sp>
+        <p:nvSpPr>
+          <p:cNvPr id="7" name="Date Placeholder 6"/>
+          <p:cNvSpPr>
+            <a:spLocks noGrp="1"/>
+          </p:cNvSpPr>
+          <p:nvPr>
+            <p:ph type="dt" sz="half" idx="10"/>
+          </p:nvPr>
+        </p:nvSpPr>
+        <p:spPr/>
+        <p:txBody>
+          <a:bodyPr/>
+          <a:lstStyle/>
+          <a:p>
+            <a:fld id="{1603D228-A8F6-D74F-9B5D-82225E69B52E}" type="datetime1">
               <a:rPr lang="en-GB" smtClean="0"/>
-              <a:t>Click to edit Master text styles</a:t>
-            </a:r>
-          </a:p>
-          <a:p>
-            <a:pPr lvl="1"/>
-            <a:r>
-              <a:rPr lang="en-GB" smtClean="0"/>
-              <a:t>Second level</a:t>
-            </a:r>
-          </a:p>
-          <a:p>
-            <a:pPr lvl="2"/>
-            <a:r>
-              <a:rPr lang="en-GB" smtClean="0"/>
-              <a:t>Third level</a:t>
-            </a:r>
-          </a:p>
-          <a:p>
-            <a:pPr lvl="3"/>
-            <a:r>
-              <a:rPr lang="en-GB" smtClean="0"/>
-              <a:t>Fourth level</a:t>
-            </a:r>
-          </a:p>
-          <a:p>
-            <a:pPr lvl="4"/>
-            <a:r>
-              <a:rPr lang="en-GB" smtClean="0"/>
-              <a:t>Fifth level</a:t>
-            </a:r>
-            <a:endParaRPr lang="en-GB"/>
-          </a:p>
-        </p:txBody>
-      </p:sp>
-      <p:sp>
-        <p:nvSpPr>
-          <p:cNvPr id="7" name="Date Placeholder 6"/>
-          <p:cNvSpPr>
-            <a:spLocks noGrp="1"/>
-          </p:cNvSpPr>
-          <p:nvPr>
-            <p:ph type="dt" sz="half" idx="10"/>
-          </p:nvPr>
-        </p:nvSpPr>
-        <p:spPr/>
-        <p:txBody>
-          <a:bodyPr/>
-          <a:lstStyle/>
-          <a:p>
-            <a:fld id="{D96F9273-1B51-1D4D-B007-2EA617412104}" type="datetimeFigureOut">
-              <a:rPr lang="en-US" smtClean="0"/>
-              <a:t>21/07/16</a:t>
+              <a:t>25/11/2018</a:t>
             </a:fld>
             <a:endParaRPr lang="en-GB"/>
           </a:p>
@@ -2224,31 +2224,30 @@
           <a:lstStyle/>
           <a:p>
             <a:r>
+              <a:rPr lang="en-GB"/>
+              <a:t>Click to edit Master title style</a:t>
+            </a:r>
+          </a:p>
+        </p:txBody>
+      </p:sp>
+      <p:sp>
+        <p:nvSpPr>
+          <p:cNvPr id="3" name="Date Placeholder 2"/>
+          <p:cNvSpPr>
+            <a:spLocks noGrp="1"/>
+          </p:cNvSpPr>
+          <p:nvPr>
+            <p:ph type="dt" sz="half" idx="10"/>
+          </p:nvPr>
+        </p:nvSpPr>
+        <p:spPr/>
+        <p:txBody>
+          <a:bodyPr/>
+          <a:lstStyle/>
+          <a:p>
+            <a:fld id="{FB85D934-94A2-3043-9C7E-D3C69ECB1627}" type="datetime1">
               <a:rPr lang="en-GB" smtClean="0"/>
-              <a:t>Click to edit Master title style</a:t>
-            </a:r>
-            <a:endParaRPr lang="en-GB"/>
-          </a:p>
-        </p:txBody>
-      </p:sp>
-      <p:sp>
-        <p:nvSpPr>
-          <p:cNvPr id="3" name="Date Placeholder 2"/>
-          <p:cNvSpPr>
-            <a:spLocks noGrp="1"/>
-          </p:cNvSpPr>
-          <p:nvPr>
-            <p:ph type="dt" sz="half" idx="10"/>
-          </p:nvPr>
-        </p:nvSpPr>
-        <p:spPr/>
-        <p:txBody>
-          <a:bodyPr/>
-          <a:lstStyle/>
-          <a:p>
-            <a:fld id="{D96F9273-1B51-1D4D-B007-2EA617412104}" type="datetimeFigureOut">
-              <a:rPr lang="en-US" smtClean="0"/>
-              <a:t>21/07/16</a:t>
+              <a:t>25/11/2018</a:t>
             </a:fld>
             <a:endParaRPr lang="en-GB"/>
           </a:p>
@@ -2341,9 +2340,9 @@
           <a:bodyPr/>
           <a:lstStyle/>
           <a:p>
-            <a:fld id="{D96F9273-1B51-1D4D-B007-2EA617412104}" type="datetimeFigureOut">
-              <a:rPr lang="en-US" smtClean="0"/>
-              <a:t>21/07/16</a:t>
+            <a:fld id="{C2E9DD29-08A7-E74C-8C9F-52FBB6683A7C}" type="datetime1">
+              <a:rPr lang="en-GB" smtClean="0"/>
+              <a:t>25/11/2018</a:t>
             </a:fld>
             <a:endParaRPr lang="en-GB"/>
           </a:p>
@@ -2446,10 +2445,9 @@
           </a:lstStyle>
           <a:p>
             <a:r>
-              <a:rPr lang="en-GB" smtClean="0"/>
+              <a:rPr lang="en-GB"/>
               <a:t>Click to edit Master title style</a:t>
             </a:r>
-            <a:endParaRPr lang="en-GB"/>
           </a:p>
         </p:txBody>
       </p:sp>
@@ -2503,38 +2501,37 @@
           <a:p>
             <a:pPr lvl="0"/>
             <a:r>
-              <a:rPr lang="en-GB" smtClean="0"/>
+              <a:rPr lang="en-GB"/>
               <a:t>Click to edit Master text styles</a:t>
             </a:r>
           </a:p>
           <a:p>
             <a:pPr lvl="1"/>
             <a:r>
-              <a:rPr lang="en-GB" smtClean="0"/>
+              <a:rPr lang="en-GB"/>
               <a:t>Second level</a:t>
             </a:r>
           </a:p>
           <a:p>
             <a:pPr lvl="2"/>
             <a:r>
-              <a:rPr lang="en-GB" smtClean="0"/>
+              <a:rPr lang="en-GB"/>
               <a:t>Third level</a:t>
             </a:r>
           </a:p>
           <a:p>
             <a:pPr lvl="3"/>
             <a:r>
-              <a:rPr lang="en-GB" smtClean="0"/>
+              <a:rPr lang="en-GB"/>
               <a:t>Fourth level</a:t>
             </a:r>
           </a:p>
           <a:p>
             <a:pPr lvl="4"/>
             <a:r>
-              <a:rPr lang="en-GB" smtClean="0"/>
+              <a:rPr lang="en-GB"/>
               <a:t>Fifth level</a:t>
             </a:r>
-            <a:endParaRPr lang="en-GB"/>
           </a:p>
         </p:txBody>
       </p:sp>
@@ -2597,30 +2594,30 @@
           <a:p>
             <a:pPr lvl="0"/>
             <a:r>
+              <a:rPr lang="en-GB"/>
+              <a:t>Click to edit Master text styles</a:t>
+            </a:r>
+          </a:p>
+        </p:txBody>
+      </p:sp>
+      <p:sp>
+        <p:nvSpPr>
+          <p:cNvPr id="5" name="Date Placeholder 4"/>
+          <p:cNvSpPr>
+            <a:spLocks noGrp="1"/>
+          </p:cNvSpPr>
+          <p:nvPr>
+            <p:ph type="dt" sz="half" idx="10"/>
+          </p:nvPr>
+        </p:nvSpPr>
+        <p:spPr/>
+        <p:txBody>
+          <a:bodyPr/>
+          <a:lstStyle/>
+          <a:p>
+            <a:fld id="{A1BF48CE-915E-3941-9D4A-425228925419}" type="datetime1">
               <a:rPr lang="en-GB" smtClean="0"/>
-              <a:t>Click to edit Master text styles</a:t>
-            </a:r>
-          </a:p>
-        </p:txBody>
-      </p:sp>
-      <p:sp>
-        <p:nvSpPr>
-          <p:cNvPr id="5" name="Date Placeholder 4"/>
-          <p:cNvSpPr>
-            <a:spLocks noGrp="1"/>
-          </p:cNvSpPr>
-          <p:nvPr>
-            <p:ph type="dt" sz="half" idx="10"/>
-          </p:nvPr>
-        </p:nvSpPr>
-        <p:spPr/>
-        <p:txBody>
-          <a:bodyPr/>
-          <a:lstStyle/>
-          <a:p>
-            <a:fld id="{D96F9273-1B51-1D4D-B007-2EA617412104}" type="datetimeFigureOut">
-              <a:rPr lang="en-US" smtClean="0"/>
-              <a:t>21/07/16</a:t>
+              <a:t>25/11/2018</a:t>
             </a:fld>
             <a:endParaRPr lang="en-GB"/>
           </a:p>
@@ -2723,10 +2720,9 @@
           </a:lstStyle>
           <a:p>
             <a:r>
-              <a:rPr lang="en-GB" smtClean="0"/>
+              <a:rPr lang="en-GB"/>
               <a:t>Click to edit Master title style</a:t>
             </a:r>
-            <a:endParaRPr lang="en-GB"/>
           </a:p>
         </p:txBody>
       </p:sp>
@@ -2850,30 +2846,30 @@
           <a:p>
             <a:pPr lvl="0"/>
             <a:r>
+              <a:rPr lang="en-GB"/>
+              <a:t>Click to edit Master text styles</a:t>
+            </a:r>
+          </a:p>
+        </p:txBody>
+      </p:sp>
+      <p:sp>
+        <p:nvSpPr>
+          <p:cNvPr id="5" name="Date Placeholder 4"/>
+          <p:cNvSpPr>
+            <a:spLocks noGrp="1"/>
+          </p:cNvSpPr>
+          <p:nvPr>
+            <p:ph type="dt" sz="half" idx="10"/>
+          </p:nvPr>
+        </p:nvSpPr>
+        <p:spPr/>
+        <p:txBody>
+          <a:bodyPr/>
+          <a:lstStyle/>
+          <a:p>
+            <a:fld id="{7A61D4DE-8443-8C4A-B223-9D1DF2819DBA}" type="datetime1">
               <a:rPr lang="en-GB" smtClean="0"/>
-              <a:t>Click to edit Master text styles</a:t>
-            </a:r>
-          </a:p>
-        </p:txBody>
-      </p:sp>
-      <p:sp>
-        <p:nvSpPr>
-          <p:cNvPr id="5" name="Date Placeholder 4"/>
-          <p:cNvSpPr>
-            <a:spLocks noGrp="1"/>
-          </p:cNvSpPr>
-          <p:nvPr>
-            <p:ph type="dt" sz="half" idx="10"/>
-          </p:nvPr>
-        </p:nvSpPr>
-        <p:spPr/>
-        <p:txBody>
-          <a:bodyPr/>
-          <a:lstStyle/>
-          <a:p>
-            <a:fld id="{D96F9273-1B51-1D4D-B007-2EA617412104}" type="datetimeFigureOut">
-              <a:rPr lang="en-US" smtClean="0"/>
-              <a:t>21/07/16</a:t>
+              <a:t>25/11/2018</a:t>
             </a:fld>
             <a:endParaRPr lang="en-GB"/>
           </a:p>
@@ -2982,10 +2978,9 @@
           <a:lstStyle/>
           <a:p>
             <a:r>
-              <a:rPr lang="en-GB" smtClean="0"/>
+              <a:rPr lang="en-GB"/>
               <a:t>Click to edit Master title style</a:t>
             </a:r>
-            <a:endParaRPr lang="en-GB"/>
           </a:p>
         </p:txBody>
       </p:sp>
@@ -3016,38 +3011,37 @@
           <a:p>
             <a:pPr lvl="0"/>
             <a:r>
-              <a:rPr lang="en-GB" smtClean="0"/>
+              <a:rPr lang="en-GB"/>
               <a:t>Click to edit Master text styles</a:t>
             </a:r>
           </a:p>
           <a:p>
             <a:pPr lvl="1"/>
             <a:r>
-              <a:rPr lang="en-GB" smtClean="0"/>
+              <a:rPr lang="en-GB"/>
               <a:t>Second level</a:t>
             </a:r>
           </a:p>
           <a:p>
             <a:pPr lvl="2"/>
             <a:r>
-              <a:rPr lang="en-GB" smtClean="0"/>
+              <a:rPr lang="en-GB"/>
               <a:t>Third level</a:t>
             </a:r>
           </a:p>
           <a:p>
             <a:pPr lvl="3"/>
             <a:r>
-              <a:rPr lang="en-GB" smtClean="0"/>
+              <a:rPr lang="en-GB"/>
               <a:t>Fourth level</a:t>
             </a:r>
           </a:p>
           <a:p>
             <a:pPr lvl="4"/>
             <a:r>
-              <a:rPr lang="en-GB" smtClean="0"/>
+              <a:rPr lang="en-GB"/>
               <a:t>Fifth level</a:t>
             </a:r>
-            <a:endParaRPr lang="en-GB"/>
           </a:p>
         </p:txBody>
       </p:sp>
@@ -3084,9 +3078,9 @@
             </a:lvl1pPr>
           </a:lstStyle>
           <a:p>
-            <a:fld id="{D96F9273-1B51-1D4D-B007-2EA617412104}" type="datetimeFigureOut">
-              <a:rPr lang="en-US" smtClean="0"/>
-              <a:t>21/07/16</a:t>
+            <a:fld id="{1168D4E5-52F2-164F-AD36-352A0DF27070}" type="datetime1">
+              <a:rPr lang="en-GB" smtClean="0"/>
+              <a:t>25/11/2018</a:t>
             </a:fld>
             <a:endParaRPr lang="en-GB"/>
           </a:p>
@@ -3191,6 +3185,7 @@
     <p:sldLayoutId id="2147483658" r:id="rId10"/>
     <p:sldLayoutId id="2147483659" r:id="rId11"/>
   </p:sldLayoutIdLst>
+  <p:hf hdr="0" ftr="0" dt="0"/>
   <p:txStyles>
     <p:titleStyle>
       <a:lvl1pPr algn="ctr" defTabSz="457200" rtl="0" eaLnBrk="1" latinLnBrk="0" hangingPunct="1">
@@ -3479,17 +3474,16 @@
           <a:lstStyle/>
           <a:p>
             <a:r>
-              <a:rPr lang="en-GB" dirty="0" smtClean="0"/>
+              <a:rPr lang="en-GB" dirty="0"/>
               <a:t>Advanced OpenCL Topics:</a:t>
             </a:r>
             <a:br>
-              <a:rPr lang="en-GB" dirty="0" smtClean="0"/>
+              <a:rPr lang="en-GB" dirty="0"/>
             </a:br>
             <a:r>
-              <a:rPr lang="en-GB" dirty="0" smtClean="0"/>
+              <a:rPr lang="en-GB" dirty="0"/>
               <a:t>OpenCL on FPGAs</a:t>
             </a:r>
-            <a:endParaRPr lang="en-GB" dirty="0"/>
           </a:p>
         </p:txBody>
       </p:sp>
@@ -3513,6 +3507,35 @@
                 <a:schemeClr val="tx1"/>
               </a:solidFill>
             </a:endParaRPr>
+          </a:p>
+        </p:txBody>
+      </p:sp>
+      <p:sp>
+        <p:nvSpPr>
+          <p:cNvPr id="2" name="Slide Number Placeholder 1">
+            <a:extLst>
+              <a:ext uri="{FF2B5EF4-FFF2-40B4-BE49-F238E27FC236}">
+                <a16:creationId xmlns:a16="http://schemas.microsoft.com/office/drawing/2014/main" id="{C5D5B513-C781-8949-BF37-52377D1E811D}"/>
+              </a:ext>
+            </a:extLst>
+          </p:cNvPr>
+          <p:cNvSpPr>
+            <a:spLocks noGrp="1"/>
+          </p:cNvSpPr>
+          <p:nvPr>
+            <p:ph type="sldNum" sz="quarter" idx="12"/>
+          </p:nvPr>
+        </p:nvSpPr>
+        <p:spPr/>
+        <p:txBody>
+          <a:bodyPr/>
+          <a:lstStyle/>
+          <a:p>
+            <a:fld id="{ED6D2009-AE8B-8448-879D-7D152E33A872}" type="slidenum">
+              <a:rPr lang="en-GB" smtClean="0"/>
+              <a:t>1</a:t>
+            </a:fld>
+            <a:endParaRPr lang="en-GB"/>
           </a:p>
         </p:txBody>
       </p:sp>
@@ -3526,13 +3549,6 @@
   <p:clrMapOvr>
     <a:masterClrMapping/>
   </p:clrMapOvr>
-  <p:timing>
-    <p:tnLst>
-      <p:par>
-        <p:cTn xmlns:p14="http://schemas.microsoft.com/office/powerpoint/2010/main" id="1" dur="indefinite" restart="never" nodeType="tmRoot"/>
-      </p:par>
-    </p:tnLst>
-  </p:timing>
 </p:sld>
 </file>
 
@@ -3569,10 +3585,9 @@
           <a:lstStyle/>
           <a:p>
             <a:r>
-              <a:rPr lang="en-GB" dirty="0" smtClean="0"/>
+              <a:rPr lang="en-GB" dirty="0"/>
               <a:t>Optimising floating point</a:t>
             </a:r>
-            <a:endParaRPr lang="en-GB" dirty="0"/>
           </a:p>
         </p:txBody>
       </p:sp>
@@ -3599,13 +3614,13 @@
           <a:lstStyle/>
           <a:p>
             <a:r>
-              <a:rPr lang="en-GB" dirty="0" smtClean="0"/>
+              <a:rPr lang="en-GB" dirty="0"/>
               <a:t>Giving the FPGA OpenCL compiler more freedom regarding IEEE compliance can make a huge difference in performance</a:t>
             </a:r>
           </a:p>
           <a:p>
             <a:r>
-              <a:rPr lang="en-GB" dirty="0" smtClean="0"/>
+              <a:rPr lang="en-GB" dirty="0"/>
               <a:t>Key compiler flags include:</a:t>
             </a:r>
           </a:p>
@@ -3621,11 +3636,7 @@
             </a:r>
             <a:r>
               <a:rPr lang="en-GB" dirty="0"/>
-              <a:t>-relaxed </a:t>
-            </a:r>
-            <a:r>
-              <a:rPr lang="en-GB" dirty="0" smtClean="0"/>
-              <a:t>: compiler can change order of ops</a:t>
+              <a:t>-relaxed : compiler can change order of ops</a:t>
             </a:r>
           </a:p>
           <a:p>
@@ -3640,31 +3651,27 @@
             </a:r>
             <a:r>
               <a:rPr lang="en-US" dirty="0"/>
-              <a:t> </a:t>
-            </a:r>
-            <a:r>
-              <a:rPr lang="en-US" dirty="0" smtClean="0"/>
-              <a:t>: </a:t>
-            </a:r>
-            <a:r>
-              <a:rPr lang="en-US" dirty="0" err="1" smtClean="0"/>
+              <a:t> : </a:t>
+            </a:r>
+            <a:r>
+              <a:rPr lang="en-US" dirty="0" err="1"/>
               <a:t>minimise</a:t>
             </a:r>
             <a:r>
-              <a:rPr lang="en-US" dirty="0" smtClean="0"/>
+              <a:rPr lang="en-US" dirty="0"/>
               <a:t> type conversions and combine multiple rounding operations into one. Results in use of FMAC type instructions</a:t>
             </a:r>
           </a:p>
           <a:p>
             <a:r>
-              <a:rPr lang="en-US" dirty="0" smtClean="0"/>
+              <a:rPr lang="en-US" dirty="0"/>
               <a:t>Fixed point even better than floating point on FPGAs, can pack in more execution units</a:t>
             </a:r>
           </a:p>
           <a:p>
             <a:pPr lvl="1"/>
             <a:r>
-              <a:rPr lang="en-US" dirty="0" smtClean="0"/>
+              <a:rPr lang="en-US" dirty="0"/>
               <a:t>OpenCL supports 8, 16, 32 and 64-bit fixed point</a:t>
             </a:r>
             <a:endParaRPr lang="en-GB" dirty="0"/>
@@ -3672,6 +3679,35 @@
           <a:p>
             <a:pPr lvl="1"/>
             <a:endParaRPr lang="en-GB" dirty="0"/>
+          </a:p>
+        </p:txBody>
+      </p:sp>
+      <p:sp>
+        <p:nvSpPr>
+          <p:cNvPr id="2" name="Slide Number Placeholder 1">
+            <a:extLst>
+              <a:ext uri="{FF2B5EF4-FFF2-40B4-BE49-F238E27FC236}">
+                <a16:creationId xmlns:a16="http://schemas.microsoft.com/office/drawing/2014/main" id="{5FF79B03-8AE3-844B-B136-BF4E3FF3AE17}"/>
+              </a:ext>
+            </a:extLst>
+          </p:cNvPr>
+          <p:cNvSpPr>
+            <a:spLocks noGrp="1"/>
+          </p:cNvSpPr>
+          <p:nvPr>
+            <p:ph type="sldNum" sz="quarter" idx="12"/>
+          </p:nvPr>
+        </p:nvSpPr>
+        <p:spPr/>
+        <p:txBody>
+          <a:bodyPr/>
+          <a:lstStyle/>
+          <a:p>
+            <a:fld id="{ED6D2009-AE8B-8448-879D-7D152E33A872}" type="slidenum">
+              <a:rPr lang="en-GB" smtClean="0"/>
+              <a:t>10</a:t>
+            </a:fld>
+            <a:endParaRPr lang="en-GB"/>
           </a:p>
         </p:txBody>
       </p:sp>
@@ -3721,10 +3757,9 @@
           <a:lstStyle/>
           <a:p>
             <a:r>
-              <a:rPr lang="en-GB" dirty="0" smtClean="0"/>
+              <a:rPr lang="en-GB" dirty="0"/>
               <a:t>Operation costs on FPGAs</a:t>
             </a:r>
-            <a:endParaRPr lang="en-GB" dirty="0"/>
           </a:p>
         </p:txBody>
       </p:sp>
@@ -3751,19 +3786,15 @@
           <a:lstStyle/>
           <a:p>
             <a:r>
-              <a:rPr lang="en-US" dirty="0" smtClean="0"/>
+              <a:rPr lang="en-US" dirty="0"/>
               <a:t>Expensive operations include:</a:t>
             </a:r>
           </a:p>
           <a:p>
             <a:pPr lvl="1"/>
             <a:r>
-              <a:rPr lang="en-US" dirty="0" smtClean="0"/>
-              <a:t>Integer </a:t>
-            </a:r>
-            <a:r>
               <a:rPr lang="en-US" dirty="0"/>
-              <a:t>division and modulo (remainder) operators </a:t>
+              <a:t>Integer division and modulo (remainder) operators </a:t>
             </a:r>
           </a:p>
           <a:p>
@@ -3776,18 +3807,13 @@
           <a:p>
             <a:pPr lvl="1"/>
             <a:r>
-              <a:rPr lang="en-US" dirty="0" smtClean="0"/>
-              <a:t>Atomic </a:t>
-            </a:r>
-            <a:r>
               <a:rPr lang="en-US" dirty="0"/>
-              <a:t>functions </a:t>
-            </a:r>
-            <a:endParaRPr lang="en-US" dirty="0" smtClean="0"/>
-          </a:p>
-          <a:p>
-            <a:r>
-              <a:rPr lang="en-US" dirty="0" smtClean="0"/>
+              <a:t>Atomic functions </a:t>
+            </a:r>
+          </a:p>
+          <a:p>
+            <a:r>
+              <a:rPr lang="en-US" dirty="0"/>
               <a:t>In contrast, cheap operations include:</a:t>
             </a:r>
           </a:p>
@@ -3847,10 +3873,38 @@
           <a:lstStyle/>
           <a:p>
             <a:r>
-              <a:rPr lang="en-GB" dirty="0" smtClean="0"/>
+              <a:rPr lang="en-GB" dirty="0"/>
               <a:t>Source: Altera SDK for OpenCL: Best practices guide </a:t>
             </a:r>
-            <a:endParaRPr lang="en-GB" dirty="0"/>
+          </a:p>
+        </p:txBody>
+      </p:sp>
+      <p:sp>
+        <p:nvSpPr>
+          <p:cNvPr id="5" name="Slide Number Placeholder 4">
+            <a:extLst>
+              <a:ext uri="{FF2B5EF4-FFF2-40B4-BE49-F238E27FC236}">
+                <a16:creationId xmlns:a16="http://schemas.microsoft.com/office/drawing/2014/main" id="{CEFD9A2A-4C32-444D-AB3D-42C0F47F4CB6}"/>
+              </a:ext>
+            </a:extLst>
+          </p:cNvPr>
+          <p:cNvSpPr>
+            <a:spLocks noGrp="1"/>
+          </p:cNvSpPr>
+          <p:nvPr>
+            <p:ph type="sldNum" sz="quarter" idx="12"/>
+          </p:nvPr>
+        </p:nvSpPr>
+        <p:spPr/>
+        <p:txBody>
+          <a:bodyPr/>
+          <a:lstStyle/>
+          <a:p>
+            <a:fld id="{ED6D2009-AE8B-8448-879D-7D152E33A872}" type="slidenum">
+              <a:rPr lang="en-GB" smtClean="0"/>
+              <a:t>11</a:t>
+            </a:fld>
+            <a:endParaRPr lang="en-GB"/>
           </a:p>
         </p:txBody>
       </p:sp>
@@ -3900,10 +3954,9 @@
           <a:lstStyle/>
           <a:p>
             <a:r>
-              <a:rPr lang="en-GB" dirty="0" smtClean="0"/>
+              <a:rPr lang="en-GB" dirty="0"/>
               <a:t>Other FPGA kernel tips</a:t>
             </a:r>
-            <a:endParaRPr lang="en-GB" dirty="0"/>
           </a:p>
         </p:txBody>
       </p:sp>
@@ -3925,87 +3978,72 @@
           <a:lstStyle/>
           <a:p>
             <a:r>
-              <a:rPr lang="en-GB" dirty="0" smtClean="0"/>
+              <a:rPr lang="en-GB" dirty="0"/>
               <a:t>Use well-formed loops</a:t>
             </a:r>
           </a:p>
           <a:p>
             <a:pPr lvl="1"/>
             <a:r>
-              <a:rPr lang="en-GB" dirty="0" smtClean="0"/>
-              <a:t>These have an </a:t>
-            </a:r>
-            <a:r>
               <a:rPr lang="en-GB" dirty="0"/>
-              <a:t>exit condition that compares against an integer bound, and </a:t>
-            </a:r>
-            <a:r>
-              <a:rPr lang="en-GB" dirty="0" smtClean="0"/>
-              <a:t>have a </a:t>
-            </a:r>
+              <a:t>These have an exit condition that compares against an integer bound, and have a simple induction increment of one per iteration </a:t>
+            </a:r>
+          </a:p>
+          <a:p>
             <a:r>
               <a:rPr lang="en-GB" dirty="0"/>
-              <a:t>simple induction increment of one per iteration </a:t>
-            </a:r>
+              <a:t>Avoid pointer arithmetic, use simple array indexing instead</a:t>
+            </a:r>
+          </a:p>
+          <a:p>
+            <a:r>
+              <a:rPr lang="en-GB" dirty="0"/>
+              <a:t>Avoid complex loop exit conditions </a:t>
+            </a:r>
+          </a:p>
+          <a:p>
+            <a:r>
+              <a:rPr lang="en-GB" dirty="0"/>
+              <a:t>Convert nested loops into a single loop </a:t>
+            </a:r>
+          </a:p>
+          <a:p>
+            <a:r>
+              <a:rPr lang="en-GB" dirty="0"/>
+              <a:t>Declare variables in the deepest scope possible </a:t>
+            </a:r>
+          </a:p>
+          <a:p>
             <a:endParaRPr lang="en-GB" dirty="0"/>
           </a:p>
-          <a:p>
-            <a:r>
-              <a:rPr lang="en-GB" dirty="0" smtClean="0"/>
-              <a:t>Avoid pointer arithmetic, use simple array indexing instead</a:t>
-            </a:r>
-          </a:p>
-          <a:p>
-            <a:r>
-              <a:rPr lang="en-GB" dirty="0"/>
-              <a:t>Avoid </a:t>
-            </a:r>
-            <a:r>
-              <a:rPr lang="en-GB" dirty="0" smtClean="0"/>
-              <a:t>complex loop exit conditions </a:t>
-            </a:r>
-            <a:endParaRPr lang="en-GB" dirty="0"/>
-          </a:p>
-          <a:p>
-            <a:r>
-              <a:rPr lang="en-GB" dirty="0"/>
-              <a:t>Convert </a:t>
-            </a:r>
-            <a:r>
-              <a:rPr lang="en-GB" dirty="0" smtClean="0"/>
-              <a:t>nested loops </a:t>
-            </a:r>
-            <a:r>
-              <a:rPr lang="en-GB" dirty="0"/>
-              <a:t>into a </a:t>
-            </a:r>
-            <a:r>
-              <a:rPr lang="en-GB" dirty="0" smtClean="0"/>
-              <a:t>single loop </a:t>
-            </a:r>
-            <a:endParaRPr lang="en-GB" dirty="0"/>
-          </a:p>
-          <a:p>
-            <a:r>
-              <a:rPr lang="en-GB" dirty="0"/>
-              <a:t>Declare </a:t>
-            </a:r>
-            <a:r>
-              <a:rPr lang="en-GB" dirty="0" smtClean="0"/>
-              <a:t>variables </a:t>
-            </a:r>
-            <a:r>
-              <a:rPr lang="en-GB" dirty="0"/>
-              <a:t>in the </a:t>
-            </a:r>
-            <a:r>
-              <a:rPr lang="en-GB" dirty="0" smtClean="0"/>
-              <a:t>deepest scope possible </a:t>
-            </a:r>
-            <a:endParaRPr lang="en-GB" dirty="0"/>
-          </a:p>
-          <a:p>
-            <a:endParaRPr lang="en-GB" dirty="0"/>
+        </p:txBody>
+      </p:sp>
+      <p:sp>
+        <p:nvSpPr>
+          <p:cNvPr id="4" name="Slide Number Placeholder 3">
+            <a:extLst>
+              <a:ext uri="{FF2B5EF4-FFF2-40B4-BE49-F238E27FC236}">
+                <a16:creationId xmlns:a16="http://schemas.microsoft.com/office/drawing/2014/main" id="{7D6BB55F-644D-2941-906D-FC45F5C547B7}"/>
+              </a:ext>
+            </a:extLst>
+          </p:cNvPr>
+          <p:cNvSpPr>
+            <a:spLocks noGrp="1"/>
+          </p:cNvSpPr>
+          <p:nvPr>
+            <p:ph type="sldNum" sz="quarter" idx="12"/>
+          </p:nvPr>
+        </p:nvSpPr>
+        <p:spPr/>
+        <p:txBody>
+          <a:bodyPr/>
+          <a:lstStyle/>
+          <a:p>
+            <a:fld id="{ED6D2009-AE8B-8448-879D-7D152E33A872}" type="slidenum">
+              <a:rPr lang="en-GB" smtClean="0"/>
+              <a:t>12</a:t>
+            </a:fld>
+            <a:endParaRPr lang="en-GB"/>
           </a:p>
         </p:txBody>
       </p:sp>
@@ -4055,49 +4093,77 @@
           <a:lstStyle/>
           <a:p>
             <a:r>
-              <a:rPr lang="en-GB" dirty="0" smtClean="0"/>
+              <a:rPr lang="en-GB" dirty="0"/>
               <a:t>OpenCL on FPGA summary</a:t>
             </a:r>
+          </a:p>
+        </p:txBody>
+      </p:sp>
+      <p:sp>
+        <p:nvSpPr>
+          <p:cNvPr id="3" name="Content Placeholder 2"/>
+          <p:cNvSpPr>
+            <a:spLocks noGrp="1"/>
+          </p:cNvSpPr>
+          <p:nvPr>
+            <p:ph idx="1"/>
+          </p:nvPr>
+        </p:nvSpPr>
+        <p:spPr/>
+        <p:txBody>
+          <a:bodyPr/>
+          <a:lstStyle/>
+          <a:p>
+            <a:r>
+              <a:rPr lang="en-GB" dirty="0"/>
+              <a:t>You'll probably need completely different kernels for optimal performance on an FPGA</a:t>
+            </a:r>
+          </a:p>
+          <a:p>
+            <a:r>
+              <a:rPr lang="en-GB" dirty="0"/>
+              <a:t>Still uses the same overall OpenCL host infrastructure though</a:t>
+            </a:r>
+          </a:p>
+          <a:p>
+            <a:r>
+              <a:rPr lang="en-GB" dirty="0"/>
+              <a:t>In theory, OpenCL supports using CPUs, GPUs, DSPs and FPGAs all at the same time</a:t>
+            </a:r>
+            <a:r>
+              <a:rPr lang="is-IS" dirty="0"/>
+              <a:t>…</a:t>
+            </a:r>
             <a:endParaRPr lang="en-GB" dirty="0"/>
           </a:p>
         </p:txBody>
       </p:sp>
       <p:sp>
         <p:nvSpPr>
-          <p:cNvPr id="3" name="Content Placeholder 2"/>
-          <p:cNvSpPr>
-            <a:spLocks noGrp="1"/>
-          </p:cNvSpPr>
-          <p:nvPr>
-            <p:ph idx="1"/>
-          </p:nvPr>
-        </p:nvSpPr>
-        <p:spPr/>
-        <p:txBody>
-          <a:bodyPr/>
-          <a:lstStyle/>
-          <a:p>
-            <a:r>
-              <a:rPr lang="en-GB" dirty="0" smtClean="0"/>
-              <a:t>You'll probably need completely different kernels for optimal performance on an FPGA</a:t>
-            </a:r>
-          </a:p>
-          <a:p>
-            <a:r>
-              <a:rPr lang="en-GB" dirty="0" smtClean="0"/>
-              <a:t>Still uses the same overall OpenCL host infrastructure though</a:t>
-            </a:r>
-          </a:p>
-          <a:p>
-            <a:r>
-              <a:rPr lang="en-GB" dirty="0" smtClean="0"/>
-              <a:t>In theory, OpenCL supports using CPUs, GPUs, DSPs and FPGAs all at the same time</a:t>
-            </a:r>
-            <a:r>
-              <a:rPr lang="is-IS" dirty="0" smtClean="0"/>
-              <a:t>…</a:t>
-            </a:r>
-            <a:endParaRPr lang="en-GB" dirty="0"/>
+          <p:cNvPr id="4" name="Slide Number Placeholder 3">
+            <a:extLst>
+              <a:ext uri="{FF2B5EF4-FFF2-40B4-BE49-F238E27FC236}">
+                <a16:creationId xmlns:a16="http://schemas.microsoft.com/office/drawing/2014/main" id="{44F2A6FD-C215-8C47-B0D9-18EA163B4786}"/>
+              </a:ext>
+            </a:extLst>
+          </p:cNvPr>
+          <p:cNvSpPr>
+            <a:spLocks noGrp="1"/>
+          </p:cNvSpPr>
+          <p:nvPr>
+            <p:ph type="sldNum" sz="quarter" idx="12"/>
+          </p:nvPr>
+        </p:nvSpPr>
+        <p:spPr/>
+        <p:txBody>
+          <a:bodyPr/>
+          <a:lstStyle/>
+          <a:p>
+            <a:fld id="{ED6D2009-AE8B-8448-879D-7D152E33A872}" type="slidenum">
+              <a:rPr lang="en-GB" smtClean="0"/>
+              <a:t>13</a:t>
+            </a:fld>
+            <a:endParaRPr lang="en-GB"/>
           </a:p>
         </p:txBody>
       </p:sp>
@@ -4147,10 +4213,9 @@
           <a:lstStyle/>
           <a:p>
             <a:r>
-              <a:rPr lang="en-GB" dirty="0" smtClean="0"/>
+              <a:rPr lang="en-GB" dirty="0"/>
               <a:t>Useful resources</a:t>
             </a:r>
-            <a:endParaRPr lang="en-GB" dirty="0"/>
           </a:p>
         </p:txBody>
       </p:sp>
@@ -4167,7 +4232,7 @@
         <p:spPr/>
         <p:txBody>
           <a:bodyPr>
-            <a:normAutofit fontScale="92500" lnSpcReduction="10000"/>
+            <a:normAutofit fontScale="92500" lnSpcReduction="20000"/>
           </a:bodyPr>
           <a:lstStyle/>
           <a:p>
@@ -4176,59 +4241,36 @@
             </a:pPr>
             <a:r>
               <a:rPr lang="en-GB" dirty="0"/>
-              <a:t>Altera</a:t>
-            </a:r>
-            <a:r>
-              <a:rPr lang="en-GB" dirty="0" smtClean="0"/>
-              <a:t>:</a:t>
-            </a:r>
-          </a:p>
-          <a:p>
-            <a:r>
-              <a:rPr lang="en-GB" dirty="0" smtClean="0">
-                <a:hlinkClick r:id="rId2"/>
-              </a:rPr>
-              <a:t>https</a:t>
-            </a:r>
+              <a:t>Altera:</a:t>
+            </a:r>
+          </a:p>
+          <a:p>
             <a:r>
               <a:rPr lang="en-GB" dirty="0">
                 <a:hlinkClick r:id="rId2"/>
               </a:rPr>
-              <a:t>://www.altera.com/products/design-software/embedded-software-developers/opencl/documentation.html#</a:t>
-            </a:r>
-            <a:r>
-              <a:rPr lang="en-GB" dirty="0" smtClean="0">
-                <a:hlinkClick r:id="rId2"/>
-              </a:rPr>
-              <a:t>Guides</a:t>
-            </a:r>
-            <a:endParaRPr lang="en-GB" dirty="0" smtClean="0"/>
+              <a:t>https://www.altera.com/products/design-software/embedded-software-developers/opencl/documentation.html#Guides</a:t>
+            </a:r>
+            <a:endParaRPr lang="en-GB" dirty="0"/>
           </a:p>
           <a:p>
             <a:r>
               <a:rPr lang="en-GB" dirty="0">
                 <a:hlinkClick r:id="rId3"/>
               </a:rPr>
-              <a:t>https://www.altera.com/en_US/pdfs/literature/hb/opencl-sdk/aocl-best-practices-</a:t>
-            </a:r>
-            <a:r>
-              <a:rPr lang="en-GB" dirty="0" smtClean="0">
-                <a:hlinkClick r:id="rId3"/>
-              </a:rPr>
-              <a:t>guide.pdf</a:t>
-            </a:r>
-            <a:r>
-              <a:rPr lang="en-GB" dirty="0" smtClean="0"/>
+              <a:t>https://www.altera.com/en_US/pdfs/literature/hb/opencl-sdk/aocl-best-practices-guide.pdf</a:t>
+            </a:r>
+            <a:r>
+              <a:rPr lang="en-GB" dirty="0"/>
               <a:t> </a:t>
             </a:r>
-            <a:endParaRPr lang="en-GB" dirty="0" smtClean="0"/>
           </a:p>
           <a:p>
             <a:pPr marL="0" indent="0">
               <a:buNone/>
             </a:pPr>
             <a:r>
-              <a:rPr lang="en-GB" dirty="0" smtClean="0"/>
+              <a:rPr lang="en-GB" dirty="0"/>
               <a:t>Xilinx:</a:t>
             </a:r>
           </a:p>
@@ -4237,19 +4279,41 @@
               <a:rPr lang="en-GB" dirty="0">
                 <a:hlinkClick r:id="rId4"/>
               </a:rPr>
-              <a:t>http://www.xilinx.com/products/design-tools/software-zone/sdaccel.html#</a:t>
-            </a:r>
-            <a:r>
-              <a:rPr lang="en-GB" dirty="0" smtClean="0">
-                <a:hlinkClick r:id="rId4"/>
-              </a:rPr>
-              <a:t>documentation</a:t>
-            </a:r>
-            <a:r>
-              <a:rPr lang="en-GB" dirty="0" smtClean="0"/>
+              <a:t>http://www.xilinx.com/products/design-tools/software-zone/sdaccel.html#documentation</a:t>
+            </a:r>
+            <a:r>
+              <a:rPr lang="en-GB" dirty="0"/>
               <a:t> </a:t>
             </a:r>
-            <a:endParaRPr lang="en-GB" dirty="0"/>
+          </a:p>
+        </p:txBody>
+      </p:sp>
+      <p:sp>
+        <p:nvSpPr>
+          <p:cNvPr id="4" name="Slide Number Placeholder 3">
+            <a:extLst>
+              <a:ext uri="{FF2B5EF4-FFF2-40B4-BE49-F238E27FC236}">
+                <a16:creationId xmlns:a16="http://schemas.microsoft.com/office/drawing/2014/main" id="{B0C0FE81-A39D-7C45-A856-6C70360E009C}"/>
+              </a:ext>
+            </a:extLst>
+          </p:cNvPr>
+          <p:cNvSpPr>
+            <a:spLocks noGrp="1"/>
+          </p:cNvSpPr>
+          <p:nvPr>
+            <p:ph type="sldNum" sz="quarter" idx="12"/>
+          </p:nvPr>
+        </p:nvSpPr>
+        <p:spPr/>
+        <p:txBody>
+          <a:bodyPr/>
+          <a:lstStyle/>
+          <a:p>
+            <a:fld id="{ED6D2009-AE8B-8448-879D-7D152E33A872}" type="slidenum">
+              <a:rPr lang="en-GB" smtClean="0"/>
+              <a:t>14</a:t>
+            </a:fld>
+            <a:endParaRPr lang="en-GB"/>
           </a:p>
         </p:txBody>
       </p:sp>
@@ -4263,13 +4327,6 @@
   <p:clrMapOvr>
     <a:masterClrMapping/>
   </p:clrMapOvr>
-  <p:timing>
-    <p:tnLst>
-      <p:par>
-        <p:cTn xmlns:p14="http://schemas.microsoft.com/office/powerpoint/2010/main" id="1" dur="indefinite" restart="never" nodeType="tmRoot"/>
-      </p:par>
-    </p:tnLst>
-  </p:timing>
 </p:sld>
 </file>
 
@@ -4306,10 +4363,9 @@
           <a:lstStyle/>
           <a:p>
             <a:r>
-              <a:rPr lang="en-GB" dirty="0" smtClean="0"/>
+              <a:rPr lang="en-GB" dirty="0"/>
               <a:t>OpenCL on FPGAs</a:t>
             </a:r>
-            <a:endParaRPr lang="en-GB" dirty="0"/>
           </a:p>
         </p:txBody>
       </p:sp>
@@ -4329,28 +4385,56 @@
           <a:lstStyle/>
           <a:p>
             <a:r>
-              <a:rPr lang="en-GB" dirty="0" smtClean="0"/>
+              <a:rPr lang="en-GB" dirty="0"/>
               <a:t>FPGA architectures are very different from GPUs and CPUs</a:t>
             </a:r>
           </a:p>
           <a:p>
             <a:r>
-              <a:rPr lang="en-GB" dirty="0" smtClean="0"/>
+              <a:rPr lang="en-GB" dirty="0"/>
               <a:t>Requires a completely different approach to achieve good performance</a:t>
             </a:r>
           </a:p>
           <a:p>
             <a:r>
-              <a:rPr lang="en-GB" dirty="0" smtClean="0"/>
+              <a:rPr lang="en-GB" dirty="0"/>
               <a:t>On CPUs/GPUs, you want lots of parallelism: i.e. lots of work-items and work-groups</a:t>
             </a:r>
           </a:p>
           <a:p>
             <a:r>
-              <a:rPr lang="en-GB" dirty="0" smtClean="0"/>
+              <a:rPr lang="en-GB" dirty="0"/>
               <a:t>For FPGAs, you want just a few work-items, each representing a long pipeline</a:t>
             </a:r>
-            <a:endParaRPr lang="en-GB" dirty="0"/>
+          </a:p>
+        </p:txBody>
+      </p:sp>
+      <p:sp>
+        <p:nvSpPr>
+          <p:cNvPr id="2" name="Slide Number Placeholder 1">
+            <a:extLst>
+              <a:ext uri="{FF2B5EF4-FFF2-40B4-BE49-F238E27FC236}">
+                <a16:creationId xmlns:a16="http://schemas.microsoft.com/office/drawing/2014/main" id="{5814D8D1-E567-9E40-A2CF-F0571EAA8996}"/>
+              </a:ext>
+            </a:extLst>
+          </p:cNvPr>
+          <p:cNvSpPr>
+            <a:spLocks noGrp="1"/>
+          </p:cNvSpPr>
+          <p:nvPr>
+            <p:ph type="sldNum" sz="quarter" idx="12"/>
+          </p:nvPr>
+        </p:nvSpPr>
+        <p:spPr/>
+        <p:txBody>
+          <a:bodyPr/>
+          <a:lstStyle/>
+          <a:p>
+            <a:fld id="{ED6D2009-AE8B-8448-879D-7D152E33A872}" type="slidenum">
+              <a:rPr lang="en-GB" smtClean="0"/>
+              <a:t>2</a:t>
+            </a:fld>
+            <a:endParaRPr lang="en-GB"/>
           </a:p>
         </p:txBody>
       </p:sp>
@@ -4364,13 +4448,6 @@
   <p:clrMapOvr>
     <a:masterClrMapping/>
   </p:clrMapOvr>
-  <p:timing>
-    <p:tnLst>
-      <p:par>
-        <p:cTn xmlns:p14="http://schemas.microsoft.com/office/powerpoint/2010/main" id="1" dur="indefinite" restart="never" nodeType="tmRoot"/>
-      </p:par>
-    </p:tnLst>
-  </p:timing>
 </p:sld>
 </file>
 
@@ -4407,10 +4484,9 @@
           <a:lstStyle/>
           <a:p>
             <a:r>
-              <a:rPr lang="en-GB" dirty="0" smtClean="0"/>
+              <a:rPr lang="en-GB" dirty="0"/>
               <a:t>What are FPGAs?</a:t>
             </a:r>
-            <a:endParaRPr lang="en-GB" dirty="0"/>
           </a:p>
         </p:txBody>
       </p:sp>
@@ -4432,63 +4508,63 @@
           <a:lstStyle/>
           <a:p>
             <a:r>
-              <a:rPr lang="en-GB" dirty="0" smtClean="0"/>
+              <a:rPr lang="en-GB" dirty="0"/>
               <a:t>Reprogrammable hardware</a:t>
             </a:r>
           </a:p>
           <a:p>
             <a:r>
               <a:rPr lang="en-GB" dirty="0"/>
-              <a:t>I</a:t>
-            </a:r>
-            <a:r>
-              <a:rPr lang="en-GB" dirty="0" smtClean="0"/>
-              <a:t>ntegrate huge numbers of </a:t>
-            </a:r>
+              <a:t>Integrate huge numbers of lookup tables (LUTs), registers, on-chip memories, and arithmetic hardware (e.g. DSP blocks)</a:t>
+            </a:r>
+          </a:p>
+          <a:p>
             <a:r>
               <a:rPr lang="en-GB" dirty="0"/>
-              <a:t>lookup tables (LUTs), registers, on-chip memories, and arithmetic hardware </a:t>
-            </a:r>
-            <a:r>
-              <a:rPr lang="en-GB" dirty="0" smtClean="0"/>
-              <a:t>(e.g. DSP </a:t>
-            </a:r>
+              <a:t>These on-chip resources are connected through a reconfigurable network</a:t>
+            </a:r>
+          </a:p>
+          <a:p>
             <a:r>
               <a:rPr lang="en-GB" dirty="0"/>
-              <a:t>blocks</a:t>
-            </a:r>
-            <a:r>
-              <a:rPr lang="en-GB" dirty="0" smtClean="0"/>
-              <a:t>)</a:t>
-            </a:r>
-          </a:p>
-          <a:p>
-            <a:r>
-              <a:rPr lang="en-GB" dirty="0" smtClean="0"/>
-              <a:t>These on-chip resources are connected through </a:t>
-            </a:r>
+              <a:t>Traditionally programmed through a very low-level hardware description language</a:t>
+            </a:r>
+          </a:p>
+          <a:p>
+            <a:pPr lvl="1"/>
             <a:r>
               <a:rPr lang="en-GB" dirty="0"/>
-              <a:t>a </a:t>
-            </a:r>
-            <a:r>
-              <a:rPr lang="en-GB" dirty="0" smtClean="0"/>
-              <a:t>reconfigurable network</a:t>
-            </a:r>
-          </a:p>
-          <a:p>
-            <a:r>
-              <a:rPr lang="en-GB" dirty="0" smtClean="0"/>
-              <a:t>Traditionally programmed through a very low-level hardware description language</a:t>
-            </a:r>
-          </a:p>
-          <a:p>
-            <a:pPr lvl="1"/>
-            <a:r>
-              <a:rPr lang="en-GB" dirty="0" smtClean="0"/>
               <a:t>VHDL or Verilog</a:t>
             </a:r>
-            <a:endParaRPr lang="en-GB" dirty="0"/>
+          </a:p>
+        </p:txBody>
+      </p:sp>
+      <p:sp>
+        <p:nvSpPr>
+          <p:cNvPr id="4" name="Slide Number Placeholder 3">
+            <a:extLst>
+              <a:ext uri="{FF2B5EF4-FFF2-40B4-BE49-F238E27FC236}">
+                <a16:creationId xmlns:a16="http://schemas.microsoft.com/office/drawing/2014/main" id="{66FC16F6-E773-E844-AEAE-EBFC80E8028F}"/>
+              </a:ext>
+            </a:extLst>
+          </p:cNvPr>
+          <p:cNvSpPr>
+            <a:spLocks noGrp="1"/>
+          </p:cNvSpPr>
+          <p:nvPr>
+            <p:ph type="sldNum" sz="quarter" idx="12"/>
+          </p:nvPr>
+        </p:nvSpPr>
+        <p:spPr/>
+        <p:txBody>
+          <a:bodyPr/>
+          <a:lstStyle/>
+          <a:p>
+            <a:fld id="{ED6D2009-AE8B-8448-879D-7D152E33A872}" type="slidenum">
+              <a:rPr lang="en-GB" smtClean="0"/>
+              <a:t>3</a:t>
+            </a:fld>
+            <a:endParaRPr lang="en-GB"/>
           </a:p>
         </p:txBody>
       </p:sp>
@@ -4538,10 +4614,9 @@
           <a:lstStyle/>
           <a:p>
             <a:r>
-              <a:rPr lang="en-GB" dirty="0" smtClean="0"/>
+              <a:rPr lang="en-GB" dirty="0"/>
               <a:t>FPGA architecture</a:t>
             </a:r>
-            <a:endParaRPr lang="en-GB" dirty="0"/>
           </a:p>
         </p:txBody>
       </p:sp>
@@ -4608,6 +4683,35 @@
               <a:t>faq.html</a:t>
             </a:r>
             <a:endParaRPr lang="en-GB" dirty="0"/>
+          </a:p>
+        </p:txBody>
+      </p:sp>
+      <p:sp>
+        <p:nvSpPr>
+          <p:cNvPr id="2" name="Slide Number Placeholder 1">
+            <a:extLst>
+              <a:ext uri="{FF2B5EF4-FFF2-40B4-BE49-F238E27FC236}">
+                <a16:creationId xmlns:a16="http://schemas.microsoft.com/office/drawing/2014/main" id="{48F3AF91-23C7-024E-A744-AB4FD471BB40}"/>
+              </a:ext>
+            </a:extLst>
+          </p:cNvPr>
+          <p:cNvSpPr>
+            <a:spLocks noGrp="1"/>
+          </p:cNvSpPr>
+          <p:nvPr>
+            <p:ph type="sldNum" sz="quarter" idx="12"/>
+          </p:nvPr>
+        </p:nvSpPr>
+        <p:spPr/>
+        <p:txBody>
+          <a:bodyPr/>
+          <a:lstStyle/>
+          <a:p>
+            <a:fld id="{ED6D2009-AE8B-8448-879D-7D152E33A872}" type="slidenum">
+              <a:rPr lang="en-GB" smtClean="0"/>
+              <a:t>4</a:t>
+            </a:fld>
+            <a:endParaRPr lang="en-GB"/>
           </a:p>
         </p:txBody>
       </p:sp>
@@ -4662,10 +4766,9 @@
           <a:lstStyle/>
           <a:p>
             <a:r>
-              <a:rPr lang="en-GB" dirty="0" smtClean="0"/>
+              <a:rPr lang="en-GB" dirty="0"/>
               <a:t>Compiling OpenCL into hardware</a:t>
             </a:r>
-            <a:endParaRPr lang="en-GB" dirty="0"/>
           </a:p>
         </p:txBody>
       </p:sp>
@@ -4717,81 +4820,35 @@
                 <a:latin typeface="Courier New"/>
                 <a:cs typeface="Courier New"/>
               </a:rPr>
-              <a:t>(0)</a:t>
-            </a:r>
-            <a:r>
-              <a:rPr lang="en-US" b="1" dirty="0" smtClean="0">
-                <a:latin typeface="Courier New"/>
-                <a:cs typeface="Courier New"/>
-              </a:rPr>
-              <a:t>;</a:t>
-            </a:r>
-          </a:p>
-          <a:p>
-            <a:r>
-              <a:rPr lang="en-US" b="1" dirty="0" smtClean="0">
-                <a:latin typeface="Courier New"/>
-                <a:cs typeface="Courier New"/>
-              </a:rPr>
-              <a:t>C</a:t>
-            </a:r>
+              <a:t>(0);</a:t>
+            </a:r>
+          </a:p>
+          <a:p>
             <a:r>
               <a:rPr lang="en-US" b="1" dirty="0">
                 <a:latin typeface="Courier New"/>
                 <a:cs typeface="Courier New"/>
               </a:rPr>
-              <a:t>[index] = (A[index] &gt;&gt; 5) + B[index]</a:t>
-            </a:r>
-            <a:r>
-              <a:rPr lang="en-US" b="1" dirty="0" smtClean="0">
-                <a:latin typeface="Courier New"/>
-                <a:cs typeface="Courier New"/>
-              </a:rPr>
-              <a:t>;</a:t>
-            </a:r>
-          </a:p>
-          <a:p>
-            <a:r>
-              <a:rPr lang="en-US" b="1" dirty="0" smtClean="0">
-                <a:latin typeface="Courier New"/>
-                <a:cs typeface="Courier New"/>
-              </a:rPr>
-              <a:t>F</a:t>
-            </a:r>
+              <a:t>C[index] = (A[index] &gt;&gt; 5) + B[index];</a:t>
+            </a:r>
+          </a:p>
+          <a:p>
             <a:r>
               <a:rPr lang="en-US" b="1" dirty="0">
                 <a:latin typeface="Courier New"/>
                 <a:cs typeface="Courier New"/>
               </a:rPr>
-              <a:t>[index] = (D[index] – E[index]) &lt;&lt; 3</a:t>
-            </a:r>
-            <a:r>
-              <a:rPr lang="en-US" b="1" dirty="0" smtClean="0">
-                <a:latin typeface="Courier New"/>
-                <a:cs typeface="Courier New"/>
-              </a:rPr>
-              <a:t>;</a:t>
-            </a:r>
-          </a:p>
-          <a:p>
-            <a:r>
-              <a:rPr lang="en-US" b="1" dirty="0" smtClean="0">
-                <a:latin typeface="Courier New"/>
-                <a:cs typeface="Courier New"/>
-              </a:rPr>
-              <a:t>G</a:t>
-            </a:r>
+              <a:t>F[index] = (D[index] – E[index]) &lt;&lt; 3;</a:t>
+            </a:r>
+          </a:p>
+          <a:p>
             <a:r>
               <a:rPr lang="en-US" b="1" dirty="0">
                 <a:latin typeface="Courier New"/>
                 <a:cs typeface="Courier New"/>
               </a:rPr>
-              <a:t>[index] = C[index] + F[index]; </a:t>
-            </a:r>
-            <a:endParaRPr lang="en-US" b="1" dirty="0">
-              <a:latin typeface="Courier New"/>
-              <a:cs typeface="Courier New"/>
-            </a:endParaRPr>
+              <a:t>G[index] = C[index] + F[index]; </a:t>
+            </a:r>
           </a:p>
           <a:p>
             <a:endParaRPr lang="en-GB" dirty="0"/>
@@ -4815,7 +4872,7 @@
         <p:spPr>
           <a:xfrm>
             <a:off x="457200" y="2290212"/>
-            <a:ext cx="3521128" cy="4607083"/>
+            <a:ext cx="4114800" cy="4607083"/>
           </a:xfrm>
           <a:prstGeom prst="rect">
             <a:avLst/>
@@ -4875,10 +4932,38 @@
           <a:lstStyle/>
           <a:p>
             <a:r>
-              <a:rPr lang="en-GB" dirty="0" smtClean="0"/>
+              <a:rPr lang="en-GB" dirty="0"/>
               <a:t>Source: Altera SDK for OpenCL: Best practices guide </a:t>
             </a:r>
-            <a:endParaRPr lang="en-GB" dirty="0"/>
+          </a:p>
+        </p:txBody>
+      </p:sp>
+      <p:sp>
+        <p:nvSpPr>
+          <p:cNvPr id="7" name="Slide Number Placeholder 6">
+            <a:extLst>
+              <a:ext uri="{FF2B5EF4-FFF2-40B4-BE49-F238E27FC236}">
+                <a16:creationId xmlns:a16="http://schemas.microsoft.com/office/drawing/2014/main" id="{ABD808CB-BB38-C641-A795-D0D6B28AC336}"/>
+              </a:ext>
+            </a:extLst>
+          </p:cNvPr>
+          <p:cNvSpPr>
+            <a:spLocks noGrp="1"/>
+          </p:cNvSpPr>
+          <p:nvPr>
+            <p:ph type="sldNum" sz="quarter" idx="12"/>
+          </p:nvPr>
+        </p:nvSpPr>
+        <p:spPr/>
+        <p:txBody>
+          <a:bodyPr/>
+          <a:lstStyle/>
+          <a:p>
+            <a:fld id="{ED6D2009-AE8B-8448-879D-7D152E33A872}" type="slidenum">
+              <a:rPr lang="en-GB" smtClean="0"/>
+              <a:t>5</a:t>
+            </a:fld>
+            <a:endParaRPr lang="en-GB"/>
           </a:p>
         </p:txBody>
       </p:sp>
@@ -4928,10 +5013,9 @@
           <a:lstStyle/>
           <a:p>
             <a:r>
-              <a:rPr lang="en-GB" dirty="0" smtClean="0"/>
+              <a:rPr lang="en-GB" dirty="0"/>
               <a:t>FPGA optimisation tips</a:t>
             </a:r>
-            <a:endParaRPr lang="en-GB" dirty="0"/>
           </a:p>
         </p:txBody>
       </p:sp>
@@ -4948,19 +5032,14 @@
         <p:spPr/>
         <p:txBody>
           <a:bodyPr>
-            <a:normAutofit lnSpcReduction="10000"/>
+            <a:normAutofit/>
           </a:bodyPr>
           <a:lstStyle/>
           <a:p>
             <a:r>
               <a:rPr lang="en-US" dirty="0"/>
-              <a:t>Create single work-item kernels </a:t>
-            </a:r>
-            <a:r>
-              <a:rPr lang="en-US" dirty="0" smtClean="0"/>
-              <a:t>if: </a:t>
-            </a:r>
-            <a:endParaRPr lang="en-US" dirty="0"/>
+              <a:t>Create single work-item kernels if: </a:t>
+            </a:r>
           </a:p>
           <a:p>
             <a:pPr lvl="1"/>
@@ -4972,49 +5051,53 @@
           <a:p>
             <a:pPr lvl="1"/>
             <a:r>
-              <a:rPr lang="en-US" dirty="0" smtClean="0"/>
-              <a:t>You </a:t>
-            </a:r>
-            <a:r>
               <a:rPr lang="en-US" dirty="0"/>
-              <a:t>organize your OpenCL application in multiple kernels</a:t>
-            </a:r>
-            <a:r>
-              <a:rPr lang="en-US" dirty="0" smtClean="0"/>
-              <a:t>, you </a:t>
+              <a:t>You organize your OpenCL application in multiple kernels, you use channels to transfer data among the kernels, and the data processing sequence is critical to your application. </a:t>
+            </a:r>
+          </a:p>
+          <a:p>
+            <a:pPr lvl="1"/>
+            <a:r>
+              <a:rPr lang="en-GB" dirty="0"/>
+              <a:t>Equivalent to an </a:t>
+            </a:r>
+            <a:r>
+              <a:rPr lang="en-US" dirty="0" err="1"/>
+              <a:t>NDRange</a:t>
             </a:r>
             <a:r>
               <a:rPr lang="en-US" dirty="0"/>
-              <a:t>use channels to transfer data among the kernels, and </a:t>
-            </a:r>
-            <a:r>
-              <a:rPr lang="en-US" dirty="0" smtClean="0"/>
-              <a:t>the data </a:t>
-            </a:r>
-            <a:r>
-              <a:rPr lang="en-US" dirty="0"/>
-              <a:t>processing sequence is critical to your application. </a:t>
-            </a:r>
-          </a:p>
-          <a:p>
-            <a:pPr lvl="1"/>
-            <a:r>
-              <a:rPr lang="en-GB" dirty="0" smtClean="0"/>
-              <a:t>Equivalent to an </a:t>
-            </a:r>
-            <a:r>
-              <a:rPr lang="en-US" dirty="0" err="1" smtClean="0"/>
-              <a:t>NDRange</a:t>
-            </a:r>
-            <a:r>
-              <a:rPr lang="en-US" dirty="0" smtClean="0"/>
-              <a:t> </a:t>
-            </a:r>
-            <a:r>
-              <a:rPr lang="en-US" dirty="0"/>
-              <a:t>size of (1, 1, 1) </a:t>
-            </a:r>
-            <a:endParaRPr lang="en-US" dirty="0"/>
+              <a:t> size of (1, 1, 1) </a:t>
+            </a:r>
+          </a:p>
+        </p:txBody>
+      </p:sp>
+      <p:sp>
+        <p:nvSpPr>
+          <p:cNvPr id="2" name="Slide Number Placeholder 1">
+            <a:extLst>
+              <a:ext uri="{FF2B5EF4-FFF2-40B4-BE49-F238E27FC236}">
+                <a16:creationId xmlns:a16="http://schemas.microsoft.com/office/drawing/2014/main" id="{DDAA862A-E00E-C942-93D3-7D67A215A597}"/>
+              </a:ext>
+            </a:extLst>
+          </p:cNvPr>
+          <p:cNvSpPr>
+            <a:spLocks noGrp="1"/>
+          </p:cNvSpPr>
+          <p:nvPr>
+            <p:ph type="sldNum" sz="quarter" idx="12"/>
+          </p:nvPr>
+        </p:nvSpPr>
+        <p:spPr/>
+        <p:txBody>
+          <a:bodyPr/>
+          <a:lstStyle/>
+          <a:p>
+            <a:fld id="{ED6D2009-AE8B-8448-879D-7D152E33A872}" type="slidenum">
+              <a:rPr lang="en-GB" smtClean="0"/>
+              <a:t>6</a:t>
+            </a:fld>
+            <a:endParaRPr lang="en-GB"/>
           </a:p>
         </p:txBody>
       </p:sp>
@@ -5064,10 +5147,9 @@
           <a:lstStyle/>
           <a:p>
             <a:r>
-              <a:rPr lang="en-GB" dirty="0" smtClean="0"/>
+              <a:rPr lang="en-GB" dirty="0"/>
               <a:t>Single work-item kernels</a:t>
             </a:r>
-            <a:endParaRPr lang="en-GB" dirty="0"/>
           </a:p>
         </p:txBody>
       </p:sp>
@@ -5087,16 +5169,44 @@
           <a:lstStyle/>
           <a:p>
             <a:r>
-              <a:rPr lang="en-GB" dirty="0" smtClean="0"/>
+              <a:rPr lang="en-GB" dirty="0"/>
               <a:t>In this approach, the FPGA OpenCL compiler will attempt to pipeline the work-item</a:t>
             </a:r>
           </a:p>
           <a:p>
             <a:r>
-              <a:rPr lang="en-GB" dirty="0" smtClean="0"/>
+              <a:rPr lang="en-GB" dirty="0"/>
               <a:t>Special care needed to ensure the compiler can pipeline loops</a:t>
             </a:r>
-            <a:endParaRPr lang="en-GB" dirty="0"/>
+          </a:p>
+        </p:txBody>
+      </p:sp>
+      <p:sp>
+        <p:nvSpPr>
+          <p:cNvPr id="4" name="Slide Number Placeholder 3">
+            <a:extLst>
+              <a:ext uri="{FF2B5EF4-FFF2-40B4-BE49-F238E27FC236}">
+                <a16:creationId xmlns:a16="http://schemas.microsoft.com/office/drawing/2014/main" id="{5D555088-ACDF-9D40-9453-23416CA068A8}"/>
+              </a:ext>
+            </a:extLst>
+          </p:cNvPr>
+          <p:cNvSpPr>
+            <a:spLocks noGrp="1"/>
+          </p:cNvSpPr>
+          <p:nvPr>
+            <p:ph type="sldNum" sz="quarter" idx="12"/>
+          </p:nvPr>
+        </p:nvSpPr>
+        <p:spPr/>
+        <p:txBody>
+          <a:bodyPr/>
+          <a:lstStyle/>
+          <a:p>
+            <a:fld id="{ED6D2009-AE8B-8448-879D-7D152E33A872}" type="slidenum">
+              <a:rPr lang="en-GB" smtClean="0"/>
+              <a:t>7</a:t>
+            </a:fld>
+            <a:endParaRPr lang="en-GB"/>
           </a:p>
         </p:txBody>
       </p:sp>
@@ -5146,10 +5256,9 @@
           <a:lstStyle/>
           <a:p>
             <a:r>
-              <a:rPr lang="en-GB" dirty="0" smtClean="0"/>
+              <a:rPr lang="en-GB" dirty="0"/>
               <a:t>More tips for FPGA optimisation</a:t>
             </a:r>
-            <a:endParaRPr lang="en-GB" dirty="0"/>
           </a:p>
         </p:txBody>
       </p:sp>
@@ -5176,86 +5285,100 @@
           <a:lstStyle/>
           <a:p>
             <a:r>
-              <a:rPr lang="en-US" dirty="0" smtClean="0"/>
-              <a:t>Optimize each kernel to target a </a:t>
-            </a:r>
-            <a:r>
               <a:rPr lang="en-US" dirty="0"/>
-              <a:t>single compute unit first </a:t>
-            </a:r>
-            <a:endParaRPr lang="en-US" dirty="0"/>
-          </a:p>
-          <a:p>
-            <a:r>
-              <a:rPr lang="en-GB" dirty="0" smtClean="0"/>
+              <a:t>Optimize each kernel to target a single compute unit first </a:t>
+            </a:r>
+          </a:p>
+          <a:p>
+            <a:r>
+              <a:rPr lang="en-GB" dirty="0"/>
               <a:t>Then scale the number of compute units up until you've filled the FPGA</a:t>
             </a:r>
           </a:p>
           <a:p>
             <a:pPr lvl="1"/>
             <a:r>
-              <a:rPr lang="en-GB" dirty="0" smtClean="0"/>
+              <a:rPr lang="en-GB" dirty="0"/>
               <a:t>Compiling with fewer compute units takes much less FPGA compilation time</a:t>
             </a:r>
           </a:p>
           <a:p>
             <a:r>
-              <a:rPr lang="en-GB" dirty="0" smtClean="0"/>
+              <a:rPr lang="en-GB" dirty="0"/>
               <a:t>Consider moving data between kernels using OpenCL pipes or vendor extensions such as channels</a:t>
             </a:r>
           </a:p>
           <a:p>
             <a:r>
-              <a:rPr lang="en-GB" dirty="0" smtClean="0"/>
+              <a:rPr lang="en-GB" dirty="0"/>
               <a:t>Unrolling loops can help FPGA OCL compilers</a:t>
             </a:r>
           </a:p>
           <a:p>
             <a:pPr lvl="1"/>
             <a:r>
-              <a:rPr lang="en-GB" dirty="0" smtClean="0"/>
-              <a:t>e.g. </a:t>
-            </a:r>
-            <a:r>
               <a:rPr lang="en-GB" dirty="0"/>
-              <a:t>#pragma unroll </a:t>
-            </a:r>
+              <a:t>e.g. #pragma unroll 8</a:t>
+            </a:r>
+          </a:p>
+          <a:p>
             <a:r>
               <a:rPr lang="en-GB" dirty="0"/>
+              <a:t>Optimise floating point operations</a:t>
+            </a:r>
+          </a:p>
+          <a:p>
+            <a:r>
+              <a:rPr lang="en-GB" dirty="0"/>
+              <a:t>Avoid expensive operations</a:t>
+            </a:r>
+          </a:p>
+          <a:p>
+            <a:r>
+              <a:rPr lang="en-GB" dirty="0"/>
+              <a:t>Allocate memory aligned to at least 64 bytes</a:t>
+            </a:r>
+          </a:p>
+          <a:p>
+            <a:r>
+              <a:rPr lang="en-GB" dirty="0"/>
+              <a:t>Use restrict to avoid pointer aliasing</a:t>
+            </a:r>
+          </a:p>
+          <a:p>
+            <a:r>
+              <a:rPr lang="en-GB" dirty="0"/>
+              <a:t>Avoid work-item ID-dependent backward branching</a:t>
+            </a:r>
+          </a:p>
+        </p:txBody>
+      </p:sp>
+      <p:sp>
+        <p:nvSpPr>
+          <p:cNvPr id="4" name="Slide Number Placeholder 3">
+            <a:extLst>
+              <a:ext uri="{FF2B5EF4-FFF2-40B4-BE49-F238E27FC236}">
+                <a16:creationId xmlns:a16="http://schemas.microsoft.com/office/drawing/2014/main" id="{DFD4C32D-2F31-7840-905E-0FBFAC3AAA94}"/>
+              </a:ext>
+            </a:extLst>
+          </p:cNvPr>
+          <p:cNvSpPr>
+            <a:spLocks noGrp="1"/>
+          </p:cNvSpPr>
+          <p:nvPr>
+            <p:ph type="sldNum" sz="quarter" idx="12"/>
+          </p:nvPr>
+        </p:nvSpPr>
+        <p:spPr/>
+        <p:txBody>
+          <a:bodyPr/>
+          <a:lstStyle/>
+          <a:p>
+            <a:fld id="{ED6D2009-AE8B-8448-879D-7D152E33A872}" type="slidenum">
+              <a:rPr lang="en-GB" smtClean="0"/>
               <a:t>8</a:t>
-            </a:r>
-            <a:endParaRPr lang="en-GB" dirty="0" smtClean="0"/>
-          </a:p>
-          <a:p>
-            <a:r>
-              <a:rPr lang="en-GB" dirty="0" smtClean="0"/>
-              <a:t>Optimise floating point operations</a:t>
-            </a:r>
-          </a:p>
-          <a:p>
-            <a:r>
-              <a:rPr lang="en-GB" dirty="0" smtClean="0"/>
-              <a:t>Avoid expensive operations</a:t>
-            </a:r>
-          </a:p>
-          <a:p>
-            <a:r>
-              <a:rPr lang="en-GB" dirty="0" smtClean="0"/>
-              <a:t>Allocate memory aligned to at least 64 bytes</a:t>
-            </a:r>
-          </a:p>
-          <a:p>
-            <a:r>
-              <a:rPr lang="en-GB" dirty="0" smtClean="0"/>
-              <a:t>Use restrict to avoid pointer aliasing</a:t>
-            </a:r>
-          </a:p>
-          <a:p>
-            <a:r>
-              <a:rPr lang="en-GB" dirty="0" smtClean="0"/>
-              <a:t>Avoid work-item ID-dependent backward branching</a:t>
-            </a:r>
-            <a:endParaRPr lang="en-GB" dirty="0"/>
+            </a:fld>
+            <a:endParaRPr lang="en-GB"/>
           </a:p>
         </p:txBody>
       </p:sp>
@@ -5305,10 +5428,9 @@
           <a:lstStyle/>
           <a:p>
             <a:r>
-              <a:rPr lang="en-GB" dirty="0" smtClean="0"/>
+              <a:rPr lang="en-GB" dirty="0"/>
               <a:t>Using pipes and channels</a:t>
             </a:r>
-            <a:endParaRPr lang="en-GB" dirty="0"/>
           </a:p>
         </p:txBody>
       </p:sp>
@@ -5359,10 +5481,38 @@
           <a:lstStyle/>
           <a:p>
             <a:r>
-              <a:rPr lang="en-GB" dirty="0" smtClean="0"/>
+              <a:rPr lang="en-GB" dirty="0"/>
               <a:t>Source: Altera SDK for OpenCL: Best practices guide </a:t>
             </a:r>
-            <a:endParaRPr lang="en-GB" dirty="0"/>
+          </a:p>
+        </p:txBody>
+      </p:sp>
+      <p:sp>
+        <p:nvSpPr>
+          <p:cNvPr id="3" name="Slide Number Placeholder 2">
+            <a:extLst>
+              <a:ext uri="{FF2B5EF4-FFF2-40B4-BE49-F238E27FC236}">
+                <a16:creationId xmlns:a16="http://schemas.microsoft.com/office/drawing/2014/main" id="{224BAA6D-EECD-714A-B2C8-590877B65149}"/>
+              </a:ext>
+            </a:extLst>
+          </p:cNvPr>
+          <p:cNvSpPr>
+            <a:spLocks noGrp="1"/>
+          </p:cNvSpPr>
+          <p:nvPr>
+            <p:ph type="sldNum" sz="quarter" idx="12"/>
+          </p:nvPr>
+        </p:nvSpPr>
+        <p:spPr/>
+        <p:txBody>
+          <a:bodyPr/>
+          <a:lstStyle/>
+          <a:p>
+            <a:fld id="{ED6D2009-AE8B-8448-879D-7D152E33A872}" type="slidenum">
+              <a:rPr lang="en-GB" smtClean="0"/>
+              <a:t>9</a:t>
+            </a:fld>
+            <a:endParaRPr lang="en-GB"/>
           </a:p>
         </p:txBody>
       </p:sp>
